--- a/Sidang Michael Alfonso.pptx
+++ b/Sidang Michael Alfonso.pptx
@@ -283,7 +283,7 @@
           <a:p>
             <a:fld id="{989B473C-4971-416F-9659-AA3514C828BF}" type="datetimeFigureOut">
               <a:rPr lang="en-ID" smtClean="0"/>
-              <a:t>05/06/2023</a:t>
+              <a:t>21/06/2023</a:t>
             </a:fld>
             <a:endParaRPr lang="en-ID"/>
           </a:p>
@@ -1919,7 +1919,7 @@
             <a:fld id="{1D8BD707-D9CF-40AE-B4C6-C98DA3205C09}" type="datetimeFigureOut">
               <a:rPr lang="en-US" smtClean="0"/>
               <a:pPr/>
-              <a:t>6/5/2023</a:t>
+              <a:t>6/21/2023</a:t>
             </a:fld>
             <a:endParaRPr lang="en-US"/>
           </a:p>
@@ -2084,7 +2084,7 @@
             <a:fld id="{1D8BD707-D9CF-40AE-B4C6-C98DA3205C09}" type="datetimeFigureOut">
               <a:rPr lang="en-US" smtClean="0"/>
               <a:pPr/>
-              <a:t>6/5/2023</a:t>
+              <a:t>6/21/2023</a:t>
             </a:fld>
             <a:endParaRPr lang="en-US"/>
           </a:p>
@@ -2259,7 +2259,7 @@
             <a:fld id="{1D8BD707-D9CF-40AE-B4C6-C98DA3205C09}" type="datetimeFigureOut">
               <a:rPr lang="en-US" smtClean="0"/>
               <a:pPr/>
-              <a:t>6/5/2023</a:t>
+              <a:t>6/21/2023</a:t>
             </a:fld>
             <a:endParaRPr lang="en-US"/>
           </a:p>
@@ -2424,7 +2424,7 @@
             <a:fld id="{1D8BD707-D9CF-40AE-B4C6-C98DA3205C09}" type="datetimeFigureOut">
               <a:rPr lang="en-US" smtClean="0"/>
               <a:pPr/>
-              <a:t>6/5/2023</a:t>
+              <a:t>6/21/2023</a:t>
             </a:fld>
             <a:endParaRPr lang="en-US"/>
           </a:p>
@@ -2666,7 +2666,7 @@
             <a:fld id="{1D8BD707-D9CF-40AE-B4C6-C98DA3205C09}" type="datetimeFigureOut">
               <a:rPr lang="en-US" smtClean="0"/>
               <a:pPr/>
-              <a:t>6/5/2023</a:t>
+              <a:t>6/21/2023</a:t>
             </a:fld>
             <a:endParaRPr lang="en-US"/>
           </a:p>
@@ -2948,7 +2948,7 @@
             <a:fld id="{1D8BD707-D9CF-40AE-B4C6-C98DA3205C09}" type="datetimeFigureOut">
               <a:rPr lang="en-US" smtClean="0"/>
               <a:pPr/>
-              <a:t>6/5/2023</a:t>
+              <a:t>6/21/2023</a:t>
             </a:fld>
             <a:endParaRPr lang="en-US"/>
           </a:p>
@@ -3364,7 +3364,7 @@
             <a:fld id="{1D8BD707-D9CF-40AE-B4C6-C98DA3205C09}" type="datetimeFigureOut">
               <a:rPr lang="en-US" smtClean="0"/>
               <a:pPr/>
-              <a:t>6/5/2023</a:t>
+              <a:t>6/21/2023</a:t>
             </a:fld>
             <a:endParaRPr lang="en-US"/>
           </a:p>
@@ -3478,7 +3478,7 @@
             <a:fld id="{1D8BD707-D9CF-40AE-B4C6-C98DA3205C09}" type="datetimeFigureOut">
               <a:rPr lang="en-US" smtClean="0"/>
               <a:pPr/>
-              <a:t>6/5/2023</a:t>
+              <a:t>6/21/2023</a:t>
             </a:fld>
             <a:endParaRPr lang="en-US"/>
           </a:p>
@@ -3570,7 +3570,7 @@
             <a:fld id="{1D8BD707-D9CF-40AE-B4C6-C98DA3205C09}" type="datetimeFigureOut">
               <a:rPr lang="en-US" smtClean="0"/>
               <a:pPr/>
-              <a:t>6/5/2023</a:t>
+              <a:t>6/21/2023</a:t>
             </a:fld>
             <a:endParaRPr lang="en-US"/>
           </a:p>
@@ -3842,7 +3842,7 @@
             <a:fld id="{1D8BD707-D9CF-40AE-B4C6-C98DA3205C09}" type="datetimeFigureOut">
               <a:rPr lang="en-US" smtClean="0"/>
               <a:pPr/>
-              <a:t>6/5/2023</a:t>
+              <a:t>6/21/2023</a:t>
             </a:fld>
             <a:endParaRPr lang="en-US"/>
           </a:p>
@@ -4091,7 +4091,7 @@
             <a:fld id="{1D8BD707-D9CF-40AE-B4C6-C98DA3205C09}" type="datetimeFigureOut">
               <a:rPr lang="en-US" smtClean="0"/>
               <a:pPr/>
-              <a:t>6/5/2023</a:t>
+              <a:t>6/21/2023</a:t>
             </a:fld>
             <a:endParaRPr lang="en-US"/>
           </a:p>
@@ -4299,7 +4299,7 @@
             <a:fld id="{1D8BD707-D9CF-40AE-B4C6-C98DA3205C09}" type="datetimeFigureOut">
               <a:rPr lang="en-US" smtClean="0"/>
               <a:pPr/>
-              <a:t>6/5/2023</a:t>
+              <a:t>6/21/2023</a:t>
             </a:fld>
             <a:endParaRPr lang="en-US"/>
           </a:p>
@@ -17719,10 +17719,10 @@
       </p:sp>
       <p:sp>
         <p:nvSpPr>
-          <p:cNvPr id="39" name="TextBox 36">
+          <p:cNvPr id="40" name="TextBox 36">
             <a:extLst>
               <a:ext uri="{FF2B5EF4-FFF2-40B4-BE49-F238E27FC236}">
-                <a16:creationId xmlns:a16="http://schemas.microsoft.com/office/drawing/2014/main" id="{FA4FB13D-C74C-9CFC-5D3F-82A04E227F1A}"/>
+                <a16:creationId xmlns:a16="http://schemas.microsoft.com/office/drawing/2014/main" id="{2F7EDDF5-2111-3508-29BD-A4FF26592564}"/>
               </a:ext>
             </a:extLst>
           </p:cNvPr>
@@ -17731,26 +17731,26 @@
         </p:nvSpPr>
         <p:spPr>
           <a:xfrm>
-            <a:off x="3626447" y="5482270"/>
-            <a:ext cx="8549532" cy="2924519"/>
+            <a:off x="3719894" y="5831164"/>
+            <a:ext cx="10523142" cy="1779974"/>
           </a:xfrm>
           <a:prstGeom prst="rect">
             <a:avLst/>
           </a:prstGeom>
         </p:spPr>
         <p:txBody>
-          <a:bodyPr wrap="square" lIns="0" tIns="0" rIns="0" bIns="0" rtlCol="0" anchor="t">
+          <a:bodyPr lIns="0" tIns="0" rIns="0" bIns="0" rtlCol="0" anchor="t">
             <a:spAutoFit/>
           </a:bodyPr>
           <a:lstStyle/>
           <a:p>
             <a:pPr>
               <a:lnSpc>
-                <a:spcPts val="5880"/>
+                <a:spcPts val="4759"/>
               </a:lnSpc>
             </a:pPr>
             <a:r>
-              <a:rPr lang="en-US" sz="3399" b="1" dirty="0">
+              <a:rPr lang="en-US" sz="3399" dirty="0">
                 <a:solidFill>
                   <a:srgbClr val="FFFFFF"/>
                 </a:solidFill>
@@ -17759,7 +17759,7 @@
               <a:t>RBF </a:t>
             </a:r>
             <a:r>
-              <a:rPr lang="en-US" sz="3399" b="1" dirty="0" err="1">
+              <a:rPr lang="en-US" sz="3399" dirty="0" err="1">
                 <a:solidFill>
                   <a:srgbClr val="FFFFFF"/>
                 </a:solidFill>
@@ -17768,7 +17768,7 @@
               <a:t>digunakan</a:t>
             </a:r>
             <a:r>
-              <a:rPr lang="en-US" sz="3399" b="1" dirty="0">
+              <a:rPr lang="en-US" sz="3399" dirty="0">
                 <a:solidFill>
                   <a:srgbClr val="FFFFFF"/>
                 </a:solidFill>
@@ -17777,7 +17777,7 @@
               <a:t> </a:t>
             </a:r>
             <a:r>
-              <a:rPr lang="en-US" sz="3399" b="1" dirty="0" err="1">
+              <a:rPr lang="en-US" sz="3399" dirty="0" err="1">
                 <a:solidFill>
                   <a:srgbClr val="FFFFFF"/>
                 </a:solidFill>
@@ -17786,7 +17786,7 @@
               <a:t>karena</a:t>
             </a:r>
             <a:r>
-              <a:rPr lang="en-US" sz="3399" b="1" dirty="0">
+              <a:rPr lang="en-US" sz="3399" dirty="0">
                 <a:solidFill>
                   <a:srgbClr val="FFFFFF"/>
                 </a:solidFill>
@@ -17795,7 +17795,7 @@
               <a:t> data </a:t>
             </a:r>
             <a:r>
-              <a:rPr lang="en-US" sz="3399" b="1" dirty="0" err="1">
+              <a:rPr lang="en-US" sz="3399" dirty="0" err="1">
                 <a:solidFill>
                   <a:srgbClr val="FFFFFF"/>
                 </a:solidFill>
@@ -17804,7 +17804,7 @@
               <a:t>berupa</a:t>
             </a:r>
             <a:r>
-              <a:rPr lang="en-US" sz="3399" b="1" dirty="0">
+              <a:rPr lang="en-US" sz="3399" dirty="0">
                 <a:solidFill>
                   <a:srgbClr val="FFFFFF"/>
                 </a:solidFill>
@@ -17813,7 +17813,7 @@
               <a:t> </a:t>
             </a:r>
             <a:r>
-              <a:rPr lang="en-US" sz="3399" b="1" dirty="0" err="1">
+              <a:rPr lang="en-US" sz="3399" dirty="0" err="1">
                 <a:solidFill>
                   <a:srgbClr val="FFFFFF"/>
                 </a:solidFill>
@@ -17822,7 +17822,7 @@
               <a:t>teks</a:t>
             </a:r>
             <a:r>
-              <a:rPr lang="en-US" sz="3399" b="1" dirty="0">
+              <a:rPr lang="en-US" sz="3399" dirty="0">
                 <a:solidFill>
                   <a:srgbClr val="FFFFFF"/>
                 </a:solidFill>
@@ -17831,7 +17831,7 @@
               <a:t> yang </a:t>
             </a:r>
             <a:r>
-              <a:rPr lang="en-US" sz="3399" b="1" dirty="0" err="1">
+              <a:rPr lang="en-US" sz="3399" dirty="0" err="1">
                 <a:solidFill>
                   <a:srgbClr val="FFFFFF"/>
                 </a:solidFill>
@@ -17840,7 +17840,7 @@
               <a:t>sulit</a:t>
             </a:r>
             <a:r>
-              <a:rPr lang="en-US" sz="3399" b="1" dirty="0">
+              <a:rPr lang="en-US" sz="3399" dirty="0">
                 <a:solidFill>
                   <a:srgbClr val="FFFFFF"/>
                 </a:solidFill>
@@ -17849,7 +17849,7 @@
               <a:t> </a:t>
             </a:r>
             <a:r>
-              <a:rPr lang="en-US" sz="3399" b="1" dirty="0" err="1">
+              <a:rPr lang="en-US" sz="3399" dirty="0" err="1">
                 <a:solidFill>
                   <a:srgbClr val="FFFFFF"/>
                 </a:solidFill>
@@ -17858,7 +17858,7 @@
               <a:t>dipisahkan</a:t>
             </a:r>
             <a:r>
-              <a:rPr lang="en-US" sz="3399" b="1" dirty="0">
+              <a:rPr lang="en-US" sz="3399" dirty="0">
                 <a:solidFill>
                   <a:srgbClr val="FFFFFF"/>
                 </a:solidFill>
@@ -17867,7 +17867,7 @@
               <a:t> </a:t>
             </a:r>
             <a:r>
-              <a:rPr lang="en-US" sz="3399" b="1" dirty="0" err="1">
+              <a:rPr lang="en-US" sz="3399" dirty="0" err="1">
                 <a:solidFill>
                   <a:srgbClr val="FFFFFF"/>
                 </a:solidFill>
@@ -17876,7 +17876,7 @@
               <a:t>secara</a:t>
             </a:r>
             <a:r>
-              <a:rPr lang="en-US" sz="3399" b="1" dirty="0">
+              <a:rPr lang="en-US" sz="3399" dirty="0">
                 <a:solidFill>
                   <a:srgbClr val="FFFFFF"/>
                 </a:solidFill>
@@ -17885,7 +17885,7 @@
               <a:t> linear, juga </a:t>
             </a:r>
             <a:r>
-              <a:rPr lang="en-US" sz="3399" b="1" dirty="0" err="1">
+              <a:rPr lang="en-US" sz="3399" dirty="0" err="1">
                 <a:solidFill>
                   <a:srgbClr val="FFFFFF"/>
                 </a:solidFill>
@@ -17894,7 +17894,7 @@
               <a:t>komposisi</a:t>
             </a:r>
             <a:r>
-              <a:rPr lang="en-US" sz="3399" b="1" dirty="0">
+              <a:rPr lang="en-US" sz="3399" dirty="0">
                 <a:solidFill>
                   <a:srgbClr val="FFFFFF"/>
                 </a:solidFill>
@@ -17903,7 +17903,7 @@
               <a:t> yang </a:t>
             </a:r>
             <a:r>
-              <a:rPr lang="en-US" sz="3399" b="1" dirty="0" err="1">
+              <a:rPr lang="en-US" sz="3399" dirty="0" err="1">
                 <a:solidFill>
                   <a:srgbClr val="FFFFFF"/>
                 </a:solidFill>
@@ -17912,7 +17912,7 @@
               <a:t>kurang</a:t>
             </a:r>
             <a:r>
-              <a:rPr lang="en-US" sz="3399" b="1" dirty="0">
+              <a:rPr lang="en-US" sz="3399" dirty="0">
                 <a:solidFill>
                   <a:srgbClr val="FFFFFF"/>
                 </a:solidFill>
@@ -17921,7 +17921,7 @@
               <a:t> </a:t>
             </a:r>
             <a:r>
-              <a:rPr lang="en-US" sz="3399" b="1" dirty="0" err="1">
+              <a:rPr lang="en-US" sz="3399" dirty="0" err="1">
                 <a:solidFill>
                   <a:srgbClr val="FFFFFF"/>
                 </a:solidFill>
@@ -17930,7 +17930,7 @@
               <a:t>seimbang</a:t>
             </a:r>
             <a:r>
-              <a:rPr lang="en-US" sz="3399" b="1" dirty="0">
+              <a:rPr lang="en-US" sz="3399" dirty="0">
                 <a:solidFill>
                   <a:srgbClr val="FFFFFF"/>
                 </a:solidFill>
@@ -17939,7 +17939,7 @@
               <a:t> </a:t>
             </a:r>
             <a:r>
-              <a:rPr lang="en-US" sz="3399" b="1" dirty="0" err="1">
+              <a:rPr lang="en-US" sz="3399" dirty="0" err="1">
                 <a:solidFill>
                   <a:srgbClr val="FFFFFF"/>
                 </a:solidFill>
@@ -17948,7 +17948,7 @@
               <a:t>mendukung</a:t>
             </a:r>
             <a:r>
-              <a:rPr lang="en-US" sz="3399" b="1" dirty="0">
+              <a:rPr lang="en-US" sz="3399" dirty="0">
                 <a:solidFill>
                   <a:srgbClr val="FFFFFF"/>
                 </a:solidFill>
@@ -17957,7 +17957,7 @@
               <a:t> </a:t>
             </a:r>
             <a:r>
-              <a:rPr lang="en-US" sz="3399" b="1" dirty="0" err="1">
+              <a:rPr lang="en-US" sz="3399" dirty="0" err="1">
                 <a:solidFill>
                   <a:srgbClr val="FFFFFF"/>
                 </a:solidFill>
@@ -17966,7 +17966,7 @@
               <a:t>penggunaan</a:t>
             </a:r>
             <a:r>
-              <a:rPr lang="en-US" sz="3399" b="1" dirty="0">
+              <a:rPr lang="en-US" sz="3399" dirty="0">
                 <a:solidFill>
                   <a:srgbClr val="FFFFFF"/>
                 </a:solidFill>

--- a/Sidang Michael Alfonso.pptx
+++ b/Sidang Michael Alfonso.pptx
@@ -9,8 +9,8 @@
   </p:notesMasterIdLst>
   <p:sldIdLst>
     <p:sldId id="256" r:id="rId2"/>
-    <p:sldId id="257" r:id="rId3"/>
-    <p:sldId id="258" r:id="rId4"/>
+    <p:sldId id="258" r:id="rId3"/>
+    <p:sldId id="257" r:id="rId4"/>
     <p:sldId id="260" r:id="rId5"/>
     <p:sldId id="261" r:id="rId6"/>
     <p:sldId id="262" r:id="rId7"/>
@@ -283,7 +283,7 @@
           <a:p>
             <a:fld id="{989B473C-4971-416F-9659-AA3514C828BF}" type="datetimeFigureOut">
               <a:rPr lang="en-ID" smtClean="0"/>
-              <a:t>21/06/2023</a:t>
+              <a:t>20/07/2023</a:t>
             </a:fld>
             <a:endParaRPr lang="en-ID"/>
           </a:p>
@@ -616,7 +616,7 @@
           <a:p>
             <a:fld id="{720840A3-2BC5-44EA-AF04-CCB4D7F7AF8B}" type="slidenum">
               <a:rPr lang="en-ID" smtClean="0"/>
-              <a:t>2</a:t>
+              <a:t>3</a:t>
             </a:fld>
             <a:endParaRPr lang="en-ID"/>
           </a:p>
@@ -1919,7 +1919,7 @@
             <a:fld id="{1D8BD707-D9CF-40AE-B4C6-C98DA3205C09}" type="datetimeFigureOut">
               <a:rPr lang="en-US" smtClean="0"/>
               <a:pPr/>
-              <a:t>6/21/2023</a:t>
+              <a:t>7/20/2023</a:t>
             </a:fld>
             <a:endParaRPr lang="en-US"/>
           </a:p>
@@ -2084,7 +2084,7 @@
             <a:fld id="{1D8BD707-D9CF-40AE-B4C6-C98DA3205C09}" type="datetimeFigureOut">
               <a:rPr lang="en-US" smtClean="0"/>
               <a:pPr/>
-              <a:t>6/21/2023</a:t>
+              <a:t>7/20/2023</a:t>
             </a:fld>
             <a:endParaRPr lang="en-US"/>
           </a:p>
@@ -2259,7 +2259,7 @@
             <a:fld id="{1D8BD707-D9CF-40AE-B4C6-C98DA3205C09}" type="datetimeFigureOut">
               <a:rPr lang="en-US" smtClean="0"/>
               <a:pPr/>
-              <a:t>6/21/2023</a:t>
+              <a:t>7/20/2023</a:t>
             </a:fld>
             <a:endParaRPr lang="en-US"/>
           </a:p>
@@ -2424,7 +2424,7 @@
             <a:fld id="{1D8BD707-D9CF-40AE-B4C6-C98DA3205C09}" type="datetimeFigureOut">
               <a:rPr lang="en-US" smtClean="0"/>
               <a:pPr/>
-              <a:t>6/21/2023</a:t>
+              <a:t>7/20/2023</a:t>
             </a:fld>
             <a:endParaRPr lang="en-US"/>
           </a:p>
@@ -2666,7 +2666,7 @@
             <a:fld id="{1D8BD707-D9CF-40AE-B4C6-C98DA3205C09}" type="datetimeFigureOut">
               <a:rPr lang="en-US" smtClean="0"/>
               <a:pPr/>
-              <a:t>6/21/2023</a:t>
+              <a:t>7/20/2023</a:t>
             </a:fld>
             <a:endParaRPr lang="en-US"/>
           </a:p>
@@ -2948,7 +2948,7 @@
             <a:fld id="{1D8BD707-D9CF-40AE-B4C6-C98DA3205C09}" type="datetimeFigureOut">
               <a:rPr lang="en-US" smtClean="0"/>
               <a:pPr/>
-              <a:t>6/21/2023</a:t>
+              <a:t>7/20/2023</a:t>
             </a:fld>
             <a:endParaRPr lang="en-US"/>
           </a:p>
@@ -3364,7 +3364,7 @@
             <a:fld id="{1D8BD707-D9CF-40AE-B4C6-C98DA3205C09}" type="datetimeFigureOut">
               <a:rPr lang="en-US" smtClean="0"/>
               <a:pPr/>
-              <a:t>6/21/2023</a:t>
+              <a:t>7/20/2023</a:t>
             </a:fld>
             <a:endParaRPr lang="en-US"/>
           </a:p>
@@ -3478,7 +3478,7 @@
             <a:fld id="{1D8BD707-D9CF-40AE-B4C6-C98DA3205C09}" type="datetimeFigureOut">
               <a:rPr lang="en-US" smtClean="0"/>
               <a:pPr/>
-              <a:t>6/21/2023</a:t>
+              <a:t>7/20/2023</a:t>
             </a:fld>
             <a:endParaRPr lang="en-US"/>
           </a:p>
@@ -3570,7 +3570,7 @@
             <a:fld id="{1D8BD707-D9CF-40AE-B4C6-C98DA3205C09}" type="datetimeFigureOut">
               <a:rPr lang="en-US" smtClean="0"/>
               <a:pPr/>
-              <a:t>6/21/2023</a:t>
+              <a:t>7/20/2023</a:t>
             </a:fld>
             <a:endParaRPr lang="en-US"/>
           </a:p>
@@ -3842,7 +3842,7 @@
             <a:fld id="{1D8BD707-D9CF-40AE-B4C6-C98DA3205C09}" type="datetimeFigureOut">
               <a:rPr lang="en-US" smtClean="0"/>
               <a:pPr/>
-              <a:t>6/21/2023</a:t>
+              <a:t>7/20/2023</a:t>
             </a:fld>
             <a:endParaRPr lang="en-US"/>
           </a:p>
@@ -4091,7 +4091,7 @@
             <a:fld id="{1D8BD707-D9CF-40AE-B4C6-C98DA3205C09}" type="datetimeFigureOut">
               <a:rPr lang="en-US" smtClean="0"/>
               <a:pPr/>
-              <a:t>6/21/2023</a:t>
+              <a:t>7/20/2023</a:t>
             </a:fld>
             <a:endParaRPr lang="en-US"/>
           </a:p>
@@ -4299,7 +4299,7 @@
             <a:fld id="{1D8BD707-D9CF-40AE-B4C6-C98DA3205C09}" type="datetimeFigureOut">
               <a:rPr lang="en-US" smtClean="0"/>
               <a:pPr/>
-              <a:t>6/21/2023</a:t>
+              <a:t>7/20/2023</a:t>
             </a:fld>
             <a:endParaRPr lang="en-US"/>
           </a:p>
@@ -18562,13 +18562,13 @@
           <p:nvPr/>
         </p:nvPicPr>
         <p:blipFill>
-          <a:blip r:embed="rId3">
+          <a:blip r:embed="rId2">
             <a:extLst>
               <a:ext uri="{28A0092B-C50C-407E-A947-70E740481C1C}">
                 <a14:useLocalDpi xmlns:a14="http://schemas.microsoft.com/office/drawing/2010/main" val="0"/>
               </a:ext>
               <a:ext uri="{96DAC541-7B7A-43D3-8B79-37D633B846F1}">
-                <asvg:svgBlip xmlns:asvg="http://schemas.microsoft.com/office/drawing/2016/SVG/main" r:embed="rId4"/>
+                <asvg:svgBlip xmlns:asvg="http://schemas.microsoft.com/office/drawing/2016/SVG/main" r:embed="rId3"/>
               </a:ext>
             </a:extLst>
           </a:blip>
@@ -18795,7 +18795,7 @@
           <p:nvPr/>
         </p:nvPicPr>
         <p:blipFill>
-          <a:blip r:embed="rId5"/>
+          <a:blip r:embed="rId4"/>
           <a:srcRect/>
           <a:stretch>
             <a:fillRect/>
@@ -18805,6 +18805,65 @@
           <a:xfrm>
             <a:off x="13193145" y="523415"/>
             <a:ext cx="1183142" cy="833029"/>
+          </a:xfrm>
+          <a:prstGeom prst="rect">
+            <a:avLst/>
+          </a:prstGeom>
+        </p:spPr>
+      </p:pic>
+      <p:pic>
+        <p:nvPicPr>
+          <p:cNvPr id="30" name="Picture 30"/>
+          <p:cNvPicPr>
+            <a:picLocks noChangeAspect="1"/>
+          </p:cNvPicPr>
+          <p:nvPr/>
+        </p:nvPicPr>
+        <p:blipFill>
+          <a:blip r:embed="rId5"/>
+          <a:srcRect t="3613"/>
+          <a:stretch>
+            <a:fillRect/>
+          </a:stretch>
+        </p:blipFill>
+        <p:spPr>
+          <a:xfrm>
+            <a:off x="5699037" y="1819368"/>
+            <a:ext cx="8244987" cy="5495317"/>
+          </a:xfrm>
+          <a:prstGeom prst="rect">
+            <a:avLst/>
+          </a:prstGeom>
+        </p:spPr>
+      </p:pic>
+      <p:pic>
+        <p:nvPicPr>
+          <p:cNvPr id="31" name="Picture 31"/>
+          <p:cNvPicPr>
+            <a:picLocks noChangeAspect="1"/>
+          </p:cNvPicPr>
+          <p:nvPr/>
+        </p:nvPicPr>
+        <p:blipFill>
+          <a:blip r:embed="rId6">
+            <a:extLst>
+              <a:ext uri="{28A0092B-C50C-407E-A947-70E740481C1C}">
+                <a14:useLocalDpi xmlns:a14="http://schemas.microsoft.com/office/drawing/2010/main" val="0"/>
+              </a:ext>
+              <a:ext uri="{96DAC541-7B7A-43D3-8B79-37D633B846F1}">
+                <asvg:svgBlip xmlns:asvg="http://schemas.microsoft.com/office/drawing/2016/SVG/main" r:embed="rId7"/>
+              </a:ext>
+            </a:extLst>
+          </a:blip>
+          <a:srcRect/>
+          <a:stretch>
+            <a:fillRect/>
+          </a:stretch>
+        </p:blipFill>
+        <p:spPr>
+          <a:xfrm rot="-7246666">
+            <a:off x="13633827" y="6463589"/>
+            <a:ext cx="2526256" cy="713667"/>
           </a:xfrm>
           <a:prstGeom prst="rect">
             <a:avLst/>
@@ -18813,79 +18872,52 @@
       </p:pic>
       <p:sp>
         <p:nvSpPr>
-          <p:cNvPr id="30" name="TextBox 30"/>
+          <p:cNvPr id="32" name="TextBox 32"/>
           <p:cNvSpPr txBox="1"/>
           <p:nvPr/>
         </p:nvSpPr>
         <p:spPr>
           <a:xfrm>
-            <a:off x="5504140" y="4890070"/>
-            <a:ext cx="7535707" cy="666849"/>
+            <a:off x="5699037" y="7733786"/>
+            <a:ext cx="9466816" cy="1953697"/>
           </a:xfrm>
           <a:prstGeom prst="rect">
             <a:avLst/>
           </a:prstGeom>
         </p:spPr>
         <p:txBody>
-          <a:bodyPr wrap="square" lIns="0" tIns="0" rIns="0" bIns="0" rtlCol="0" anchor="t">
+          <a:bodyPr lIns="0" tIns="0" rIns="0" bIns="0" rtlCol="0" anchor="t">
             <a:spAutoFit/>
           </a:bodyPr>
           <a:lstStyle/>
           <a:p>
-            <a:pPr>
+            <a:pPr algn="just">
               <a:lnSpc>
                 <a:spcPts val="5179"/>
               </a:lnSpc>
             </a:pPr>
             <a:r>
-              <a:rPr lang="en-US" sz="4400" b="1" dirty="0" err="1">
+              <a:rPr lang="en-US" sz="3699">
                 <a:solidFill>
                   <a:srgbClr val="695941"/>
                 </a:solidFill>
                 <a:latin typeface="Barlow Light"/>
               </a:rPr>
-              <a:t>Pemilihan</a:t>
-            </a:r>
-            <a:r>
-              <a:rPr lang="en-US" sz="4400" b="1" dirty="0">
-                <a:solidFill>
-                  <a:srgbClr val="695941"/>
-                </a:solidFill>
-                <a:latin typeface="Barlow Light"/>
-              </a:rPr>
-              <a:t> Calon </a:t>
-            </a:r>
-            <a:r>
-              <a:rPr lang="en-US" sz="4400" b="1" dirty="0" err="1">
-                <a:solidFill>
-                  <a:srgbClr val="695941"/>
-                </a:solidFill>
-                <a:latin typeface="Barlow Light"/>
-              </a:rPr>
-              <a:t>Presiden</a:t>
-            </a:r>
-            <a:r>
-              <a:rPr lang="en-US" sz="4400" b="1" dirty="0">
-                <a:solidFill>
-                  <a:srgbClr val="695941"/>
-                </a:solidFill>
-                <a:latin typeface="Barlow Light"/>
-              </a:rPr>
-              <a:t> 2024</a:t>
+              <a:t>Tercatat menurut BPS (Badan Pusat Statistik) data pemilih meningkat setiap tahunnya dari 2004 sampai dengan 2019</a:t>
             </a:r>
           </a:p>
         </p:txBody>
       </p:sp>
       <p:sp>
         <p:nvSpPr>
-          <p:cNvPr id="31" name="TextBox 31"/>
+          <p:cNvPr id="33" name="TextBox 33"/>
           <p:cNvSpPr txBox="1"/>
           <p:nvPr/>
         </p:nvSpPr>
         <p:spPr>
           <a:xfrm>
             <a:off x="16304906" y="9237376"/>
-            <a:ext cx="1344853" cy="523875"/>
+            <a:ext cx="1344853" cy="501227"/>
           </a:xfrm>
           <a:prstGeom prst="rect">
             <a:avLst/>
@@ -18916,7 +18948,7 @@
       </p:sp>
       <p:sp>
         <p:nvSpPr>
-          <p:cNvPr id="32" name="TextBox 32"/>
+          <p:cNvPr id="34" name="TextBox 34"/>
           <p:cNvSpPr txBox="1"/>
           <p:nvPr/>
         </p:nvSpPr>
@@ -18970,7 +19002,7 @@
       </p:sp>
       <p:sp>
         <p:nvSpPr>
-          <p:cNvPr id="33" name="TextBox 33"/>
+          <p:cNvPr id="35" name="TextBox 35"/>
           <p:cNvSpPr txBox="1"/>
           <p:nvPr/>
         </p:nvSpPr>
@@ -19028,58 +19060,214 @@
           </a:p>
         </p:txBody>
       </p:sp>
-      <p:pic>
-        <p:nvPicPr>
-          <p:cNvPr id="1026" name="Picture 2" descr="Tinta Millenial Sticker by rumah123 for iOS &amp; Android | GIPHY">
+      <p:sp>
+        <p:nvSpPr>
+          <p:cNvPr id="36" name="TextBox 30">
             <a:extLst>
               <a:ext uri="{FF2B5EF4-FFF2-40B4-BE49-F238E27FC236}">
-                <a16:creationId xmlns:a16="http://schemas.microsoft.com/office/drawing/2014/main" id="{417FC536-BB33-122F-1630-179F8ED38EB3}"/>
+                <a16:creationId xmlns:a16="http://schemas.microsoft.com/office/drawing/2014/main" id="{EE8E82F5-DDB0-811F-59A5-8A6F2352E196}"/>
               </a:ext>
             </a:extLst>
           </p:cNvPr>
-          <p:cNvPicPr>
-            <a:picLocks noChangeAspect="1" noChangeArrowheads="1"/>
-          </p:cNvPicPr>
-          <p:nvPr/>
-        </p:nvPicPr>
-        <p:blipFill>
-          <a:blip r:embed="rId6">
-            <a:extLst>
-              <a:ext uri="{28A0092B-C50C-407E-A947-70E740481C1C}">
-                <a14:useLocalDpi xmlns:a14="http://schemas.microsoft.com/office/drawing/2010/main" val="0"/>
-              </a:ext>
-            </a:extLst>
-          </a:blip>
-          <a:srcRect/>
-          <a:stretch>
-            <a:fillRect/>
-          </a:stretch>
-        </p:blipFill>
-        <p:spPr bwMode="auto">
-          <a:xfrm>
-            <a:off x="12684956" y="3106492"/>
-            <a:ext cx="4572000" cy="4572000"/>
+          <p:cNvSpPr txBox="1"/>
+          <p:nvPr/>
+        </p:nvSpPr>
+        <p:spPr>
+          <a:xfrm>
+            <a:off x="5092866" y="760153"/>
+            <a:ext cx="7535707" cy="666849"/>
           </a:xfrm>
           <a:prstGeom prst="rect">
             <a:avLst/>
           </a:prstGeom>
-          <a:noFill/>
-          <a:extLst>
-            <a:ext uri="{909E8E84-426E-40DD-AFC4-6F175D3DCCD1}">
-              <a14:hiddenFill xmlns:a14="http://schemas.microsoft.com/office/drawing/2010/main">
-                <a:solidFill>
-                  <a:srgbClr val="FFFFFF"/>
-                </a:solidFill>
-              </a14:hiddenFill>
-            </a:ext>
-          </a:extLst>
         </p:spPr>
-      </p:pic>
+        <p:txBody>
+          <a:bodyPr wrap="square" lIns="0" tIns="0" rIns="0" bIns="0" rtlCol="0" anchor="t">
+            <a:spAutoFit/>
+          </a:bodyPr>
+          <a:lstStyle/>
+          <a:p>
+            <a:pPr>
+              <a:lnSpc>
+                <a:spcPts val="5179"/>
+              </a:lnSpc>
+            </a:pPr>
+            <a:r>
+              <a:rPr lang="en-US" sz="4400" b="1" dirty="0" err="1">
+                <a:solidFill>
+                  <a:srgbClr val="695941"/>
+                </a:solidFill>
+                <a:latin typeface="Barlow Light"/>
+              </a:rPr>
+              <a:t>Pemilihan</a:t>
+            </a:r>
+            <a:r>
+              <a:rPr lang="en-US" sz="4400" b="1" dirty="0">
+                <a:solidFill>
+                  <a:srgbClr val="695941"/>
+                </a:solidFill>
+                <a:latin typeface="Barlow Light"/>
+              </a:rPr>
+              <a:t> Calon </a:t>
+            </a:r>
+            <a:r>
+              <a:rPr lang="en-US" sz="4400" b="1" dirty="0" err="1">
+                <a:solidFill>
+                  <a:srgbClr val="695941"/>
+                </a:solidFill>
+                <a:latin typeface="Barlow Light"/>
+              </a:rPr>
+              <a:t>Presiden</a:t>
+            </a:r>
+            <a:r>
+              <a:rPr lang="en-US" sz="4400" b="1" dirty="0">
+                <a:solidFill>
+                  <a:srgbClr val="695941"/>
+                </a:solidFill>
+                <a:latin typeface="Barlow Light"/>
+              </a:rPr>
+              <a:t> 2024</a:t>
+            </a:r>
+          </a:p>
+        </p:txBody>
+      </p:sp>
     </p:spTree>
   </p:cSld>
   <p:clrMapOvr>
     <a:masterClrMapping/>
   </p:clrMapOvr>
+  <p:timing>
+    <p:tnLst>
+      <p:par>
+        <p:cTn id="1" dur="indefinite" restart="never" nodeType="tmRoot">
+          <p:childTnLst>
+            <p:seq concurrent="1" nextAc="seek">
+              <p:cTn id="2" dur="indefinite" nodeType="mainSeq">
+                <p:childTnLst>
+                  <p:par>
+                    <p:cTn id="3" fill="hold">
+                      <p:stCondLst>
+                        <p:cond delay="indefinite"/>
+                      </p:stCondLst>
+                      <p:childTnLst>
+                        <p:par>
+                          <p:cTn id="4" fill="hold">
+                            <p:stCondLst>
+                              <p:cond delay="0"/>
+                            </p:stCondLst>
+                            <p:childTnLst>
+                              <p:par>
+                                <p:cTn id="5" presetID="1" presetClass="entr" presetSubtype="0" fill="hold" nodeType="clickEffect">
+                                  <p:stCondLst>
+                                    <p:cond delay="0"/>
+                                  </p:stCondLst>
+                                  <p:childTnLst>
+                                    <p:set>
+                                      <p:cBhvr>
+                                        <p:cTn id="6" dur="1" fill="hold">
+                                          <p:stCondLst>
+                                            <p:cond delay="0"/>
+                                          </p:stCondLst>
+                                        </p:cTn>
+                                        <p:tgtEl>
+                                          <p:spTgt spid="30"/>
+                                        </p:tgtEl>
+                                        <p:attrNameLst>
+                                          <p:attrName>style.visibility</p:attrName>
+                                        </p:attrNameLst>
+                                      </p:cBhvr>
+                                      <p:to>
+                                        <p:strVal val="visible"/>
+                                      </p:to>
+                                    </p:set>
+                                  </p:childTnLst>
+                                </p:cTn>
+                              </p:par>
+                              <p:par>
+                                <p:cTn id="7" presetID="1" presetClass="entr" presetSubtype="0" fill="hold" grpId="0" nodeType="withEffect">
+                                  <p:stCondLst>
+                                    <p:cond delay="0"/>
+                                  </p:stCondLst>
+                                  <p:childTnLst>
+                                    <p:set>
+                                      <p:cBhvr>
+                                        <p:cTn id="8" dur="1" fill="hold">
+                                          <p:stCondLst>
+                                            <p:cond delay="0"/>
+                                          </p:stCondLst>
+                                        </p:cTn>
+                                        <p:tgtEl>
+                                          <p:spTgt spid="32"/>
+                                        </p:tgtEl>
+                                        <p:attrNameLst>
+                                          <p:attrName>style.visibility</p:attrName>
+                                        </p:attrNameLst>
+                                      </p:cBhvr>
+                                      <p:to>
+                                        <p:strVal val="visible"/>
+                                      </p:to>
+                                    </p:set>
+                                  </p:childTnLst>
+                                </p:cTn>
+                              </p:par>
+                              <p:par>
+                                <p:cTn id="9" presetID="1" presetClass="entr" presetSubtype="0" fill="hold" nodeType="withEffect">
+                                  <p:stCondLst>
+                                    <p:cond delay="0"/>
+                                  </p:stCondLst>
+                                  <p:childTnLst>
+                                    <p:set>
+                                      <p:cBhvr>
+                                        <p:cTn id="10" dur="1" fill="hold">
+                                          <p:stCondLst>
+                                            <p:cond delay="0"/>
+                                          </p:stCondLst>
+                                        </p:cTn>
+                                        <p:tgtEl>
+                                          <p:spTgt spid="31"/>
+                                        </p:tgtEl>
+                                        <p:attrNameLst>
+                                          <p:attrName>style.visibility</p:attrName>
+                                        </p:attrNameLst>
+                                      </p:cBhvr>
+                                      <p:to>
+                                        <p:strVal val="visible"/>
+                                      </p:to>
+                                    </p:set>
+                                  </p:childTnLst>
+                                </p:cTn>
+                              </p:par>
+                            </p:childTnLst>
+                          </p:cTn>
+                        </p:par>
+                      </p:childTnLst>
+                    </p:cTn>
+                  </p:par>
+                </p:childTnLst>
+              </p:cTn>
+              <p:prevCondLst>
+                <p:cond evt="onPrev" delay="0">
+                  <p:tgtEl>
+                    <p:sldTgt/>
+                  </p:tgtEl>
+                </p:cond>
+              </p:prevCondLst>
+              <p:nextCondLst>
+                <p:cond evt="onNext" delay="0">
+                  <p:tgtEl>
+                    <p:sldTgt/>
+                  </p:tgtEl>
+                </p:cond>
+              </p:nextCondLst>
+            </p:seq>
+          </p:childTnLst>
+        </p:cTn>
+      </p:par>
+    </p:tnLst>
+    <p:bldLst>
+      <p:bldP spid="32" grpId="0"/>
+    </p:bldLst>
+  </p:timing>
 </p:sld>
 </file>
 
@@ -32492,10 +32680,12 @@
             <a:bodyPr lIns="50800" tIns="50800" rIns="50800" bIns="50800" rtlCol="0" anchor="ctr"/>
             <a:lstStyle/>
             <a:p>
-              <a:pPr algn="ctr">
+              <a:pPr marL="285750" indent="-285750" algn="ctr">
                 <a:lnSpc>
                   <a:spcPts val="2799"/>
                 </a:lnSpc>
+                <a:buFont typeface="Arial" panose="020B0604020202020204" pitchFamily="34" charset="0"/>
+                <a:buChar char="•"/>
               </a:pPr>
               <a:endParaRPr/>
             </a:p>
@@ -32971,13 +33161,13 @@
           <p:nvPr/>
         </p:nvPicPr>
         <p:blipFill>
-          <a:blip r:embed="rId2">
+          <a:blip r:embed="rId3">
             <a:extLst>
               <a:ext uri="{28A0092B-C50C-407E-A947-70E740481C1C}">
                 <a14:useLocalDpi xmlns:a14="http://schemas.microsoft.com/office/drawing/2010/main" val="0"/>
               </a:ext>
               <a:ext uri="{96DAC541-7B7A-43D3-8B79-37D633B846F1}">
-                <asvg:svgBlip xmlns:asvg="http://schemas.microsoft.com/office/drawing/2016/SVG/main" r:embed="rId3"/>
+                <asvg:svgBlip xmlns:asvg="http://schemas.microsoft.com/office/drawing/2016/SVG/main" r:embed="rId4"/>
               </a:ext>
             </a:extLst>
           </a:blip>
@@ -33204,7 +33394,7 @@
           <p:nvPr/>
         </p:nvPicPr>
         <p:blipFill>
-          <a:blip r:embed="rId4"/>
+          <a:blip r:embed="rId5"/>
           <a:srcRect/>
           <a:stretch>
             <a:fillRect/>
@@ -33214,65 +33404,6 @@
           <a:xfrm>
             <a:off x="13193145" y="523415"/>
             <a:ext cx="1183142" cy="833029"/>
-          </a:xfrm>
-          <a:prstGeom prst="rect">
-            <a:avLst/>
-          </a:prstGeom>
-        </p:spPr>
-      </p:pic>
-      <p:pic>
-        <p:nvPicPr>
-          <p:cNvPr id="30" name="Picture 30"/>
-          <p:cNvPicPr>
-            <a:picLocks noChangeAspect="1"/>
-          </p:cNvPicPr>
-          <p:nvPr/>
-        </p:nvPicPr>
-        <p:blipFill>
-          <a:blip r:embed="rId5"/>
-          <a:srcRect t="3613"/>
-          <a:stretch>
-            <a:fillRect/>
-          </a:stretch>
-        </p:blipFill>
-        <p:spPr>
-          <a:xfrm>
-            <a:off x="5699037" y="1819368"/>
-            <a:ext cx="8244987" cy="5495317"/>
-          </a:xfrm>
-          <a:prstGeom prst="rect">
-            <a:avLst/>
-          </a:prstGeom>
-        </p:spPr>
-      </p:pic>
-      <p:pic>
-        <p:nvPicPr>
-          <p:cNvPr id="31" name="Picture 31"/>
-          <p:cNvPicPr>
-            <a:picLocks noChangeAspect="1"/>
-          </p:cNvPicPr>
-          <p:nvPr/>
-        </p:nvPicPr>
-        <p:blipFill>
-          <a:blip r:embed="rId6">
-            <a:extLst>
-              <a:ext uri="{28A0092B-C50C-407E-A947-70E740481C1C}">
-                <a14:useLocalDpi xmlns:a14="http://schemas.microsoft.com/office/drawing/2010/main" val="0"/>
-              </a:ext>
-              <a:ext uri="{96DAC541-7B7A-43D3-8B79-37D633B846F1}">
-                <asvg:svgBlip xmlns:asvg="http://schemas.microsoft.com/office/drawing/2016/SVG/main" r:embed="rId7"/>
-              </a:ext>
-            </a:extLst>
-          </a:blip>
-          <a:srcRect/>
-          <a:stretch>
-            <a:fillRect/>
-          </a:stretch>
-        </p:blipFill>
-        <p:spPr>
-          <a:xfrm rot="-7246666">
-            <a:off x="13633827" y="6463589"/>
-            <a:ext cx="2526256" cy="713667"/>
           </a:xfrm>
           <a:prstGeom prst="rect">
             <a:avLst/>
@@ -33281,52 +33412,79 @@
       </p:pic>
       <p:sp>
         <p:nvSpPr>
-          <p:cNvPr id="32" name="TextBox 32"/>
+          <p:cNvPr id="30" name="TextBox 30"/>
           <p:cNvSpPr txBox="1"/>
           <p:nvPr/>
         </p:nvSpPr>
         <p:spPr>
           <a:xfrm>
-            <a:off x="5699037" y="7733786"/>
-            <a:ext cx="9466816" cy="1953697"/>
+            <a:off x="5641233" y="2307186"/>
+            <a:ext cx="7535707" cy="666849"/>
           </a:xfrm>
           <a:prstGeom prst="rect">
             <a:avLst/>
           </a:prstGeom>
         </p:spPr>
         <p:txBody>
-          <a:bodyPr lIns="0" tIns="0" rIns="0" bIns="0" rtlCol="0" anchor="t">
+          <a:bodyPr wrap="square" lIns="0" tIns="0" rIns="0" bIns="0" rtlCol="0" anchor="t">
             <a:spAutoFit/>
           </a:bodyPr>
           <a:lstStyle/>
           <a:p>
-            <a:pPr algn="just">
+            <a:pPr>
               <a:lnSpc>
                 <a:spcPts val="5179"/>
               </a:lnSpc>
             </a:pPr>
             <a:r>
-              <a:rPr lang="en-US" sz="3699">
+              <a:rPr lang="en-US" sz="4400" b="1" dirty="0" err="1">
                 <a:solidFill>
                   <a:srgbClr val="695941"/>
                 </a:solidFill>
                 <a:latin typeface="Barlow Light"/>
               </a:rPr>
-              <a:t>Tercatat menurut BPS (Badan Pusat Statistik) data pemilih meningkat setiap tahunnya dari 2004 sampai dengan 2019</a:t>
+              <a:t>Pemilihan</a:t>
+            </a:r>
+            <a:r>
+              <a:rPr lang="en-US" sz="4400" b="1" dirty="0">
+                <a:solidFill>
+                  <a:srgbClr val="695941"/>
+                </a:solidFill>
+                <a:latin typeface="Barlow Light"/>
+              </a:rPr>
+              <a:t> Calon </a:t>
+            </a:r>
+            <a:r>
+              <a:rPr lang="en-US" sz="4400" b="1" dirty="0" err="1">
+                <a:solidFill>
+                  <a:srgbClr val="695941"/>
+                </a:solidFill>
+                <a:latin typeface="Barlow Light"/>
+              </a:rPr>
+              <a:t>Presiden</a:t>
+            </a:r>
+            <a:r>
+              <a:rPr lang="en-US" sz="4400" b="1" dirty="0">
+                <a:solidFill>
+                  <a:srgbClr val="695941"/>
+                </a:solidFill>
+                <a:latin typeface="Barlow Light"/>
+              </a:rPr>
+              <a:t> 2024</a:t>
             </a:r>
           </a:p>
         </p:txBody>
       </p:sp>
       <p:sp>
         <p:nvSpPr>
-          <p:cNvPr id="33" name="TextBox 33"/>
+          <p:cNvPr id="31" name="TextBox 31"/>
           <p:cNvSpPr txBox="1"/>
           <p:nvPr/>
         </p:nvSpPr>
         <p:spPr>
           <a:xfrm>
             <a:off x="16304906" y="9237376"/>
-            <a:ext cx="1344853" cy="523776"/>
+            <a:ext cx="1344853" cy="501227"/>
           </a:xfrm>
           <a:prstGeom prst="rect">
             <a:avLst/>
@@ -33344,7 +33502,7 @@
               </a:lnSpc>
             </a:pPr>
             <a:r>
-              <a:rPr lang="en-US" sz="3000">
+              <a:rPr lang="en-US" sz="3000" dirty="0">
                 <a:solidFill>
                   <a:srgbClr val="FFFFFF"/>
                 </a:solidFill>
@@ -33357,7 +33515,7 @@
       </p:sp>
       <p:sp>
         <p:nvSpPr>
-          <p:cNvPr id="34" name="TextBox 34"/>
+          <p:cNvPr id="32" name="TextBox 32"/>
           <p:cNvSpPr txBox="1"/>
           <p:nvPr/>
         </p:nvSpPr>
@@ -33411,7 +33569,7 @@
       </p:sp>
       <p:sp>
         <p:nvSpPr>
-          <p:cNvPr id="35" name="TextBox 35"/>
+          <p:cNvPr id="33" name="TextBox 33"/>
           <p:cNvSpPr txBox="1"/>
           <p:nvPr/>
         </p:nvSpPr>
@@ -33469,11 +33627,576 @@
           </a:p>
         </p:txBody>
       </p:sp>
+      <p:pic>
+        <p:nvPicPr>
+          <p:cNvPr id="1026" name="Picture 2" descr="Tinta Millenial Sticker by rumah123 for iOS &amp; Android | GIPHY">
+            <a:extLst>
+              <a:ext uri="{FF2B5EF4-FFF2-40B4-BE49-F238E27FC236}">
+                <a16:creationId xmlns:a16="http://schemas.microsoft.com/office/drawing/2014/main" id="{417FC536-BB33-122F-1630-179F8ED38EB3}"/>
+              </a:ext>
+            </a:extLst>
+          </p:cNvPr>
+          <p:cNvPicPr>
+            <a:picLocks noChangeAspect="1" noChangeArrowheads="1"/>
+          </p:cNvPicPr>
+          <p:nvPr/>
+        </p:nvPicPr>
+        <p:blipFill>
+          <a:blip r:embed="rId6">
+            <a:extLst>
+              <a:ext uri="{28A0092B-C50C-407E-A947-70E740481C1C}">
+                <a14:useLocalDpi xmlns:a14="http://schemas.microsoft.com/office/drawing/2010/main" val="0"/>
+              </a:ext>
+            </a:extLst>
+          </a:blip>
+          <a:srcRect/>
+          <a:stretch>
+            <a:fillRect/>
+          </a:stretch>
+        </p:blipFill>
+        <p:spPr bwMode="auto">
+          <a:xfrm>
+            <a:off x="13463191" y="1759592"/>
+            <a:ext cx="4572000" cy="4572000"/>
+          </a:xfrm>
+          <a:prstGeom prst="rect">
+            <a:avLst/>
+          </a:prstGeom>
+          <a:noFill/>
+          <a:extLst>
+            <a:ext uri="{909E8E84-426E-40DD-AFC4-6F175D3DCCD1}">
+              <a14:hiddenFill xmlns:a14="http://schemas.microsoft.com/office/drawing/2010/main">
+                <a:solidFill>
+                  <a:srgbClr val="FFFFFF"/>
+                </a:solidFill>
+              </a14:hiddenFill>
+            </a:ext>
+          </a:extLst>
+        </p:spPr>
+      </p:pic>
+      <p:sp>
+        <p:nvSpPr>
+          <p:cNvPr id="34" name="TextBox 30">
+            <a:extLst>
+              <a:ext uri="{FF2B5EF4-FFF2-40B4-BE49-F238E27FC236}">
+                <a16:creationId xmlns:a16="http://schemas.microsoft.com/office/drawing/2014/main" id="{A0D6AF9F-9AE5-17A0-2074-E7F3254A02F8}"/>
+              </a:ext>
+            </a:extLst>
+          </p:cNvPr>
+          <p:cNvSpPr txBox="1"/>
+          <p:nvPr/>
+        </p:nvSpPr>
+        <p:spPr>
+          <a:xfrm>
+            <a:off x="4945801" y="3632553"/>
+            <a:ext cx="9146614" cy="4593565"/>
+          </a:xfrm>
+          <a:prstGeom prst="rect">
+            <a:avLst/>
+          </a:prstGeom>
+        </p:spPr>
+        <p:txBody>
+          <a:bodyPr wrap="square" lIns="0" tIns="0" rIns="0" bIns="0" rtlCol="0" anchor="t">
+            <a:spAutoFit/>
+          </a:bodyPr>
+          <a:lstStyle/>
+          <a:p>
+            <a:pPr marL="571500" indent="-571500">
+              <a:lnSpc>
+                <a:spcPts val="5179"/>
+              </a:lnSpc>
+              <a:buFont typeface="Arial" panose="020B0604020202020204" pitchFamily="34" charset="0"/>
+              <a:buChar char="•"/>
+            </a:pPr>
+            <a:r>
+              <a:rPr lang="en-US" sz="3600">
+                <a:solidFill>
+                  <a:srgbClr val="695941"/>
+                </a:solidFill>
+                <a:latin typeface="Barlow Light"/>
+              </a:rPr>
+              <a:t>Media </a:t>
+            </a:r>
+            <a:r>
+              <a:rPr lang="en-US" sz="3600" dirty="0" err="1">
+                <a:solidFill>
+                  <a:srgbClr val="695941"/>
+                </a:solidFill>
+                <a:latin typeface="Barlow Light"/>
+              </a:rPr>
+              <a:t>sosial</a:t>
+            </a:r>
+            <a:r>
+              <a:rPr lang="en-US" sz="3600" dirty="0">
+                <a:solidFill>
+                  <a:srgbClr val="695941"/>
+                </a:solidFill>
+                <a:latin typeface="Barlow Light"/>
+              </a:rPr>
+              <a:t> Twitter </a:t>
+            </a:r>
+            <a:r>
+              <a:rPr lang="en-US" sz="3600" dirty="0" err="1">
+                <a:solidFill>
+                  <a:srgbClr val="695941"/>
+                </a:solidFill>
+                <a:latin typeface="Barlow Light"/>
+              </a:rPr>
+              <a:t>menjadi</a:t>
+            </a:r>
+            <a:r>
+              <a:rPr lang="en-US" sz="3600" dirty="0">
+                <a:solidFill>
+                  <a:srgbClr val="695941"/>
+                </a:solidFill>
+                <a:latin typeface="Barlow Light"/>
+              </a:rPr>
+              <a:t> </a:t>
+            </a:r>
+            <a:r>
+              <a:rPr lang="en-US" sz="3600" dirty="0" err="1">
+                <a:solidFill>
+                  <a:srgbClr val="695941"/>
+                </a:solidFill>
+                <a:latin typeface="Barlow Light"/>
+              </a:rPr>
+              <a:t>tempat</a:t>
+            </a:r>
+            <a:r>
+              <a:rPr lang="en-US" sz="3600" dirty="0">
+                <a:solidFill>
+                  <a:srgbClr val="695941"/>
+                </a:solidFill>
+                <a:latin typeface="Barlow Light"/>
+              </a:rPr>
+              <a:t> </a:t>
+            </a:r>
+            <a:r>
+              <a:rPr lang="en-US" sz="3600" dirty="0" err="1">
+                <a:solidFill>
+                  <a:srgbClr val="695941"/>
+                </a:solidFill>
+                <a:latin typeface="Barlow Light"/>
+              </a:rPr>
+              <a:t>diskusi</a:t>
+            </a:r>
+            <a:r>
+              <a:rPr lang="en-US" sz="3600" dirty="0">
+                <a:solidFill>
+                  <a:srgbClr val="695941"/>
+                </a:solidFill>
+                <a:latin typeface="Barlow Light"/>
+              </a:rPr>
+              <a:t> </a:t>
+            </a:r>
+            <a:r>
+              <a:rPr lang="en-US" sz="3600" dirty="0" err="1">
+                <a:solidFill>
+                  <a:srgbClr val="695941"/>
+                </a:solidFill>
+                <a:latin typeface="Barlow Light"/>
+              </a:rPr>
+              <a:t>politik</a:t>
+            </a:r>
+            <a:endParaRPr lang="en-US" sz="3600" dirty="0">
+              <a:solidFill>
+                <a:srgbClr val="695941"/>
+              </a:solidFill>
+              <a:latin typeface="Barlow Light"/>
+            </a:endParaRPr>
+          </a:p>
+          <a:p>
+            <a:pPr marL="571500" indent="-571500">
+              <a:lnSpc>
+                <a:spcPts val="5179"/>
+              </a:lnSpc>
+              <a:buFont typeface="Arial" panose="020B0604020202020204" pitchFamily="34" charset="0"/>
+              <a:buChar char="•"/>
+            </a:pPr>
+            <a:r>
+              <a:rPr lang="en-US" sz="3600" dirty="0">
+                <a:solidFill>
+                  <a:srgbClr val="695941"/>
+                </a:solidFill>
+                <a:latin typeface="Barlow Light"/>
+              </a:rPr>
+              <a:t>Analisa </a:t>
+            </a:r>
+            <a:r>
+              <a:rPr lang="en-US" sz="3600" dirty="0" err="1">
+                <a:solidFill>
+                  <a:srgbClr val="695941"/>
+                </a:solidFill>
+                <a:latin typeface="Barlow Light"/>
+              </a:rPr>
+              <a:t>sosial</a:t>
+            </a:r>
+            <a:r>
+              <a:rPr lang="en-US" sz="3600" dirty="0">
+                <a:solidFill>
+                  <a:srgbClr val="695941"/>
+                </a:solidFill>
+                <a:latin typeface="Barlow Light"/>
+              </a:rPr>
+              <a:t> media </a:t>
+            </a:r>
+            <a:r>
+              <a:rPr lang="en-US" sz="3600" dirty="0" err="1">
+                <a:solidFill>
+                  <a:srgbClr val="695941"/>
+                </a:solidFill>
+                <a:latin typeface="Barlow Light"/>
+              </a:rPr>
+              <a:t>menggunakan</a:t>
+            </a:r>
+            <a:r>
+              <a:rPr lang="en-US" sz="3600" dirty="0">
+                <a:solidFill>
+                  <a:srgbClr val="695941"/>
+                </a:solidFill>
+                <a:latin typeface="Barlow Light"/>
+              </a:rPr>
+              <a:t> Sentiment Analysis</a:t>
+            </a:r>
+          </a:p>
+          <a:p>
+            <a:pPr marL="571500" indent="-571500">
+              <a:lnSpc>
+                <a:spcPts val="5179"/>
+              </a:lnSpc>
+              <a:buFont typeface="Arial" panose="020B0604020202020204" pitchFamily="34" charset="0"/>
+              <a:buChar char="•"/>
+            </a:pPr>
+            <a:r>
+              <a:rPr lang="en-US" sz="3600" dirty="0" err="1">
+                <a:solidFill>
+                  <a:srgbClr val="695941"/>
+                </a:solidFill>
+                <a:latin typeface="Barlow Light"/>
+              </a:rPr>
+              <a:t>Algoritma</a:t>
+            </a:r>
+            <a:r>
+              <a:rPr lang="en-US" sz="3600" dirty="0">
+                <a:solidFill>
+                  <a:srgbClr val="695941"/>
+                </a:solidFill>
+                <a:latin typeface="Barlow Light"/>
+              </a:rPr>
+              <a:t> </a:t>
+            </a:r>
+            <a:r>
+              <a:rPr lang="en-US" sz="3600" dirty="0" err="1">
+                <a:solidFill>
+                  <a:srgbClr val="695941"/>
+                </a:solidFill>
+                <a:latin typeface="Barlow Light"/>
+              </a:rPr>
+              <a:t>menggunakan</a:t>
+            </a:r>
+            <a:r>
+              <a:rPr lang="en-US" sz="3600" dirty="0">
+                <a:solidFill>
+                  <a:srgbClr val="695941"/>
+                </a:solidFill>
+                <a:latin typeface="Barlow Light"/>
+              </a:rPr>
+              <a:t> SVM Kernel RBF</a:t>
+            </a:r>
+          </a:p>
+          <a:p>
+            <a:pPr marL="571500" indent="-571500">
+              <a:lnSpc>
+                <a:spcPts val="5179"/>
+              </a:lnSpc>
+              <a:buFont typeface="Arial" panose="020B0604020202020204" pitchFamily="34" charset="0"/>
+              <a:buChar char="•"/>
+            </a:pPr>
+            <a:r>
+              <a:rPr lang="en-US" sz="3600" dirty="0" err="1">
+                <a:solidFill>
+                  <a:srgbClr val="695941"/>
+                </a:solidFill>
+                <a:latin typeface="Barlow Light"/>
+              </a:rPr>
+              <a:t>Menghitung</a:t>
+            </a:r>
+            <a:r>
+              <a:rPr lang="en-US" sz="3600" dirty="0">
+                <a:solidFill>
+                  <a:srgbClr val="695941"/>
+                </a:solidFill>
+                <a:latin typeface="Barlow Light"/>
+              </a:rPr>
+              <a:t> </a:t>
+            </a:r>
+            <a:r>
+              <a:rPr lang="en-US" sz="3600" dirty="0" err="1">
+                <a:solidFill>
+                  <a:srgbClr val="695941"/>
+                </a:solidFill>
+                <a:latin typeface="Barlow Light"/>
+              </a:rPr>
+              <a:t>Korelasi</a:t>
+            </a:r>
+            <a:r>
+              <a:rPr lang="en-US" sz="3600" dirty="0">
+                <a:solidFill>
+                  <a:srgbClr val="695941"/>
+                </a:solidFill>
+                <a:latin typeface="Barlow Light"/>
+              </a:rPr>
+              <a:t> </a:t>
+            </a:r>
+          </a:p>
+          <a:p>
+            <a:pPr marL="571500" indent="-571500">
+              <a:lnSpc>
+                <a:spcPts val="5179"/>
+              </a:lnSpc>
+              <a:buFont typeface="Arial" panose="020B0604020202020204" pitchFamily="34" charset="0"/>
+              <a:buChar char="•"/>
+            </a:pPr>
+            <a:endParaRPr lang="en-US" sz="3600" dirty="0">
+              <a:solidFill>
+                <a:srgbClr val="695941"/>
+              </a:solidFill>
+              <a:latin typeface="Barlow Light"/>
+            </a:endParaRPr>
+          </a:p>
+        </p:txBody>
+      </p:sp>
     </p:spTree>
   </p:cSld>
   <p:clrMapOvr>
     <a:masterClrMapping/>
   </p:clrMapOvr>
+  <p:timing>
+    <p:tnLst>
+      <p:par>
+        <p:cTn id="1" dur="indefinite" restart="never" nodeType="tmRoot">
+          <p:childTnLst>
+            <p:seq concurrent="1" nextAc="seek">
+              <p:cTn id="2" dur="indefinite" nodeType="mainSeq">
+                <p:childTnLst>
+                  <p:par>
+                    <p:cTn id="3" fill="hold">
+                      <p:stCondLst>
+                        <p:cond delay="indefinite"/>
+                      </p:stCondLst>
+                      <p:childTnLst>
+                        <p:par>
+                          <p:cTn id="4" fill="hold">
+                            <p:stCondLst>
+                              <p:cond delay="0"/>
+                            </p:stCondLst>
+                            <p:childTnLst>
+                              <p:par>
+                                <p:cTn id="5" presetID="1" presetClass="entr" presetSubtype="0" fill="hold" nodeType="clickEffect">
+                                  <p:stCondLst>
+                                    <p:cond delay="0"/>
+                                  </p:stCondLst>
+                                  <p:childTnLst>
+                                    <p:set>
+                                      <p:cBhvr>
+                                        <p:cTn id="6" dur="1" fill="hold">
+                                          <p:stCondLst>
+                                            <p:cond delay="0"/>
+                                          </p:stCondLst>
+                                        </p:cTn>
+                                        <p:tgtEl>
+                                          <p:spTgt spid="34">
+                                            <p:txEl>
+                                              <p:pRg st="0" end="0"/>
+                                            </p:txEl>
+                                          </p:spTgt>
+                                        </p:tgtEl>
+                                        <p:attrNameLst>
+                                          <p:attrName>style.visibility</p:attrName>
+                                        </p:attrNameLst>
+                                      </p:cBhvr>
+                                      <p:to>
+                                        <p:strVal val="visible"/>
+                                      </p:to>
+                                    </p:set>
+                                  </p:childTnLst>
+                                </p:cTn>
+                              </p:par>
+                            </p:childTnLst>
+                          </p:cTn>
+                        </p:par>
+                      </p:childTnLst>
+                    </p:cTn>
+                  </p:par>
+                  <p:par>
+                    <p:cTn id="7" fill="hold">
+                      <p:stCondLst>
+                        <p:cond delay="indefinite"/>
+                      </p:stCondLst>
+                      <p:childTnLst>
+                        <p:par>
+                          <p:cTn id="8" fill="hold">
+                            <p:stCondLst>
+                              <p:cond delay="0"/>
+                            </p:stCondLst>
+                            <p:childTnLst>
+                              <p:par>
+                                <p:cTn id="9" presetID="1" presetClass="entr" presetSubtype="0" fill="hold" nodeType="clickEffect">
+                                  <p:stCondLst>
+                                    <p:cond delay="0"/>
+                                  </p:stCondLst>
+                                  <p:childTnLst>
+                                    <p:set>
+                                      <p:cBhvr>
+                                        <p:cTn id="10" dur="1" fill="hold">
+                                          <p:stCondLst>
+                                            <p:cond delay="0"/>
+                                          </p:stCondLst>
+                                        </p:cTn>
+                                        <p:tgtEl>
+                                          <p:spTgt spid="34">
+                                            <p:txEl>
+                                              <p:pRg st="1" end="1"/>
+                                            </p:txEl>
+                                          </p:spTgt>
+                                        </p:tgtEl>
+                                        <p:attrNameLst>
+                                          <p:attrName>style.visibility</p:attrName>
+                                        </p:attrNameLst>
+                                      </p:cBhvr>
+                                      <p:to>
+                                        <p:strVal val="visible"/>
+                                      </p:to>
+                                    </p:set>
+                                  </p:childTnLst>
+                                </p:cTn>
+                              </p:par>
+                            </p:childTnLst>
+                          </p:cTn>
+                        </p:par>
+                      </p:childTnLst>
+                    </p:cTn>
+                  </p:par>
+                  <p:par>
+                    <p:cTn id="11" fill="hold">
+                      <p:stCondLst>
+                        <p:cond delay="indefinite"/>
+                      </p:stCondLst>
+                      <p:childTnLst>
+                        <p:par>
+                          <p:cTn id="12" fill="hold">
+                            <p:stCondLst>
+                              <p:cond delay="0"/>
+                            </p:stCondLst>
+                            <p:childTnLst>
+                              <p:par>
+                                <p:cTn id="13" presetID="1" presetClass="entr" presetSubtype="0" fill="hold" nodeType="clickEffect">
+                                  <p:stCondLst>
+                                    <p:cond delay="0"/>
+                                  </p:stCondLst>
+                                  <p:childTnLst>
+                                    <p:set>
+                                      <p:cBhvr>
+                                        <p:cTn id="14" dur="1" fill="hold">
+                                          <p:stCondLst>
+                                            <p:cond delay="0"/>
+                                          </p:stCondLst>
+                                        </p:cTn>
+                                        <p:tgtEl>
+                                          <p:spTgt spid="34">
+                                            <p:txEl>
+                                              <p:pRg st="2" end="2"/>
+                                            </p:txEl>
+                                          </p:spTgt>
+                                        </p:tgtEl>
+                                        <p:attrNameLst>
+                                          <p:attrName>style.visibility</p:attrName>
+                                        </p:attrNameLst>
+                                      </p:cBhvr>
+                                      <p:to>
+                                        <p:strVal val="visible"/>
+                                      </p:to>
+                                    </p:set>
+                                  </p:childTnLst>
+                                </p:cTn>
+                              </p:par>
+                            </p:childTnLst>
+                          </p:cTn>
+                        </p:par>
+                      </p:childTnLst>
+                    </p:cTn>
+                  </p:par>
+                  <p:par>
+                    <p:cTn id="15" fill="hold">
+                      <p:stCondLst>
+                        <p:cond delay="indefinite"/>
+                      </p:stCondLst>
+                      <p:childTnLst>
+                        <p:par>
+                          <p:cTn id="16" fill="hold">
+                            <p:stCondLst>
+                              <p:cond delay="0"/>
+                            </p:stCondLst>
+                            <p:childTnLst>
+                              <p:par>
+                                <p:cTn id="17" presetID="1" presetClass="entr" presetSubtype="0" fill="hold" nodeType="clickEffect">
+                                  <p:stCondLst>
+                                    <p:cond delay="0"/>
+                                  </p:stCondLst>
+                                  <p:childTnLst>
+                                    <p:set>
+                                      <p:cBhvr>
+                                        <p:cTn id="18" dur="1" fill="hold">
+                                          <p:stCondLst>
+                                            <p:cond delay="0"/>
+                                          </p:stCondLst>
+                                        </p:cTn>
+                                        <p:tgtEl>
+                                          <p:spTgt spid="34">
+                                            <p:txEl>
+                                              <p:pRg st="3" end="3"/>
+                                            </p:txEl>
+                                          </p:spTgt>
+                                        </p:tgtEl>
+                                        <p:attrNameLst>
+                                          <p:attrName>style.visibility</p:attrName>
+                                        </p:attrNameLst>
+                                      </p:cBhvr>
+                                      <p:to>
+                                        <p:strVal val="visible"/>
+                                      </p:to>
+                                    </p:set>
+                                  </p:childTnLst>
+                                </p:cTn>
+                              </p:par>
+                            </p:childTnLst>
+                          </p:cTn>
+                        </p:par>
+                      </p:childTnLst>
+                    </p:cTn>
+                  </p:par>
+                </p:childTnLst>
+              </p:cTn>
+              <p:prevCondLst>
+                <p:cond evt="onPrev" delay="0">
+                  <p:tgtEl>
+                    <p:sldTgt/>
+                  </p:tgtEl>
+                </p:cond>
+              </p:prevCondLst>
+              <p:nextCondLst>
+                <p:cond evt="onNext" delay="0">
+                  <p:tgtEl>
+                    <p:sldTgt/>
+                  </p:tgtEl>
+                </p:cond>
+              </p:nextCondLst>
+            </p:seq>
+          </p:childTnLst>
+        </p:cTn>
+      </p:par>
+    </p:tnLst>
+  </p:timing>
 </p:sld>
 </file>
 

--- a/Sidang Michael Alfonso.pptx
+++ b/Sidang Michael Alfonso.pptx
@@ -22,8 +22,8 @@
     <p:sldId id="268" r:id="rId13"/>
     <p:sldId id="288" r:id="rId14"/>
     <p:sldId id="269" r:id="rId15"/>
-    <p:sldId id="270" r:id="rId16"/>
-    <p:sldId id="271" r:id="rId17"/>
+    <p:sldId id="271" r:id="rId16"/>
+    <p:sldId id="270" r:id="rId17"/>
     <p:sldId id="272" r:id="rId18"/>
     <p:sldId id="273" r:id="rId19"/>
     <p:sldId id="274" r:id="rId20"/>
@@ -283,7 +283,7 @@
           <a:p>
             <a:fld id="{989B473C-4971-416F-9659-AA3514C828BF}" type="datetimeFigureOut">
               <a:rPr lang="en-ID" smtClean="0"/>
-              <a:t>20/07/2023</a:t>
+              <a:t>25/07/2023</a:t>
             </a:fld>
             <a:endParaRPr lang="en-ID"/>
           </a:p>
@@ -616,6 +616,90 @@
           <a:p>
             <a:fld id="{720840A3-2BC5-44EA-AF04-CCB4D7F7AF8B}" type="slidenum">
               <a:rPr lang="en-ID" smtClean="0"/>
+              <a:t>2</a:t>
+            </a:fld>
+            <a:endParaRPr lang="en-ID"/>
+          </a:p>
+        </p:txBody>
+      </p:sp>
+    </p:spTree>
+    <p:extLst>
+      <p:ext uri="{BB962C8B-B14F-4D97-AF65-F5344CB8AC3E}">
+        <p14:creationId xmlns:p14="http://schemas.microsoft.com/office/powerpoint/2010/main" val="2724064426"/>
+      </p:ext>
+    </p:extLst>
+  </p:cSld>
+  <p:clrMapOvr>
+    <a:masterClrMapping/>
+  </p:clrMapOvr>
+</p:notes>
+</file>
+
+<file path=ppt/notesSlides/notesSlide2.xml><?xml version="1.0" encoding="utf-8"?>
+<p:notes xmlns:a="http://schemas.openxmlformats.org/drawingml/2006/main" xmlns:r="http://schemas.openxmlformats.org/officeDocument/2006/relationships" xmlns:p="http://schemas.openxmlformats.org/presentationml/2006/main">
+  <p:cSld>
+    <p:spTree>
+      <p:nvGrpSpPr>
+        <p:cNvPr id="1" name=""/>
+        <p:cNvGrpSpPr/>
+        <p:nvPr/>
+      </p:nvGrpSpPr>
+      <p:grpSpPr>
+        <a:xfrm>
+          <a:off x="0" y="0"/>
+          <a:ext cx="0" cy="0"/>
+          <a:chOff x="0" y="0"/>
+          <a:chExt cx="0" cy="0"/>
+        </a:xfrm>
+      </p:grpSpPr>
+      <p:sp>
+        <p:nvSpPr>
+          <p:cNvPr id="2" name="Slide Image Placeholder 1"/>
+          <p:cNvSpPr>
+            <a:spLocks noGrp="1" noRot="1" noChangeAspect="1"/>
+          </p:cNvSpPr>
+          <p:nvPr>
+            <p:ph type="sldImg"/>
+          </p:nvPr>
+        </p:nvSpPr>
+        <p:spPr/>
+      </p:sp>
+      <p:sp>
+        <p:nvSpPr>
+          <p:cNvPr id="3" name="Notes Placeholder 2"/>
+          <p:cNvSpPr>
+            <a:spLocks noGrp="1"/>
+          </p:cNvSpPr>
+          <p:nvPr>
+            <p:ph type="body" idx="1"/>
+          </p:nvPr>
+        </p:nvSpPr>
+        <p:spPr/>
+        <p:txBody>
+          <a:bodyPr/>
+          <a:lstStyle/>
+          <a:p>
+            <a:endParaRPr lang="en-ID" dirty="0"/>
+          </a:p>
+        </p:txBody>
+      </p:sp>
+      <p:sp>
+        <p:nvSpPr>
+          <p:cNvPr id="4" name="Slide Number Placeholder 3"/>
+          <p:cNvSpPr>
+            <a:spLocks noGrp="1"/>
+          </p:cNvSpPr>
+          <p:nvPr>
+            <p:ph type="sldNum" sz="quarter" idx="5"/>
+          </p:nvPr>
+        </p:nvSpPr>
+        <p:spPr/>
+        <p:txBody>
+          <a:bodyPr/>
+          <a:lstStyle/>
+          <a:p>
+            <a:fld id="{720840A3-2BC5-44EA-AF04-CCB4D7F7AF8B}" type="slidenum">
+              <a:rPr lang="en-ID" smtClean="0"/>
               <a:t>3</a:t>
             </a:fld>
             <a:endParaRPr lang="en-ID"/>
@@ -635,7 +719,7 @@
 </p:notes>
 </file>
 
-<file path=ppt/notesSlides/notesSlide2.xml><?xml version="1.0" encoding="utf-8"?>
+<file path=ppt/notesSlides/notesSlide3.xml><?xml version="1.0" encoding="utf-8"?>
 <p:notes xmlns:a="http://schemas.openxmlformats.org/drawingml/2006/main" xmlns:r="http://schemas.openxmlformats.org/officeDocument/2006/relationships" xmlns:p="http://schemas.openxmlformats.org/presentationml/2006/main">
   <p:cSld>
     <p:spTree>
@@ -719,7 +803,7 @@
 </p:notes>
 </file>
 
-<file path=ppt/notesSlides/notesSlide3.xml><?xml version="1.0" encoding="utf-8"?>
+<file path=ppt/notesSlides/notesSlide4.xml><?xml version="1.0" encoding="utf-8"?>
 <p:notes xmlns:a="http://schemas.openxmlformats.org/drawingml/2006/main" xmlns:r="http://schemas.openxmlformats.org/officeDocument/2006/relationships" xmlns:p="http://schemas.openxmlformats.org/presentationml/2006/main">
   <p:cSld>
     <p:spTree>
@@ -1300,7 +1384,7 @@
           <a:p>
             <a:fld id="{720840A3-2BC5-44EA-AF04-CCB4D7F7AF8B}" type="slidenum">
               <a:rPr lang="en-ID" smtClean="0"/>
-              <a:t>16</a:t>
+              <a:t>15</a:t>
             </a:fld>
             <a:endParaRPr lang="en-ID"/>
           </a:p>
@@ -1319,7 +1403,7 @@
 </p:notes>
 </file>
 
-<file path=ppt/notesSlides/notesSlide4.xml><?xml version="1.0" encoding="utf-8"?>
+<file path=ppt/notesSlides/notesSlide5.xml><?xml version="1.0" encoding="utf-8"?>
 <p:notes xmlns:a="http://schemas.openxmlformats.org/drawingml/2006/main" xmlns:r="http://schemas.openxmlformats.org/officeDocument/2006/relationships" xmlns:p="http://schemas.openxmlformats.org/presentationml/2006/main">
   <p:cSld>
     <p:spTree>
@@ -1403,7 +1487,7 @@
 </p:notes>
 </file>
 
-<file path=ppt/notesSlides/notesSlide5.xml><?xml version="1.0" encoding="utf-8"?>
+<file path=ppt/notesSlides/notesSlide6.xml><?xml version="1.0" encoding="utf-8"?>
 <p:notes xmlns:a="http://schemas.openxmlformats.org/drawingml/2006/main" xmlns:r="http://schemas.openxmlformats.org/officeDocument/2006/relationships" xmlns:p="http://schemas.openxmlformats.org/presentationml/2006/main">
   <p:cSld>
     <p:spTree>
@@ -1487,7 +1571,7 @@
 </p:notes>
 </file>
 
-<file path=ppt/notesSlides/notesSlide6.xml><?xml version="1.0" encoding="utf-8"?>
+<file path=ppt/notesSlides/notesSlide7.xml><?xml version="1.0" encoding="utf-8"?>
 <p:notes xmlns:a="http://schemas.openxmlformats.org/drawingml/2006/main" xmlns:r="http://schemas.openxmlformats.org/officeDocument/2006/relationships" xmlns:p="http://schemas.openxmlformats.org/presentationml/2006/main">
   <p:cSld>
     <p:spTree>
@@ -1571,7 +1655,7 @@
 </p:notes>
 </file>
 
-<file path=ppt/notesSlides/notesSlide7.xml><?xml version="1.0" encoding="utf-8"?>
+<file path=ppt/notesSlides/notesSlide8.xml><?xml version="1.0" encoding="utf-8"?>
 <p:notes xmlns:a="http://schemas.openxmlformats.org/drawingml/2006/main" xmlns:r="http://schemas.openxmlformats.org/officeDocument/2006/relationships" xmlns:p="http://schemas.openxmlformats.org/presentationml/2006/main">
   <p:cSld>
     <p:spTree>
@@ -1655,7 +1739,7 @@
 </p:notes>
 </file>
 
-<file path=ppt/notesSlides/notesSlide8.xml><?xml version="1.0" encoding="utf-8"?>
+<file path=ppt/notesSlides/notesSlide9.xml><?xml version="1.0" encoding="utf-8"?>
 <p:notes xmlns:a="http://schemas.openxmlformats.org/drawingml/2006/main" xmlns:r="http://schemas.openxmlformats.org/officeDocument/2006/relationships" xmlns:p="http://schemas.openxmlformats.org/presentationml/2006/main">
   <p:cSld>
     <p:spTree>
@@ -1919,7 +2003,7 @@
             <a:fld id="{1D8BD707-D9CF-40AE-B4C6-C98DA3205C09}" type="datetimeFigureOut">
               <a:rPr lang="en-US" smtClean="0"/>
               <a:pPr/>
-              <a:t>7/20/2023</a:t>
+              <a:t>7/25/2023</a:t>
             </a:fld>
             <a:endParaRPr lang="en-US"/>
           </a:p>
@@ -2084,7 +2168,7 @@
             <a:fld id="{1D8BD707-D9CF-40AE-B4C6-C98DA3205C09}" type="datetimeFigureOut">
               <a:rPr lang="en-US" smtClean="0"/>
               <a:pPr/>
-              <a:t>7/20/2023</a:t>
+              <a:t>7/25/2023</a:t>
             </a:fld>
             <a:endParaRPr lang="en-US"/>
           </a:p>
@@ -2259,7 +2343,7 @@
             <a:fld id="{1D8BD707-D9CF-40AE-B4C6-C98DA3205C09}" type="datetimeFigureOut">
               <a:rPr lang="en-US" smtClean="0"/>
               <a:pPr/>
-              <a:t>7/20/2023</a:t>
+              <a:t>7/25/2023</a:t>
             </a:fld>
             <a:endParaRPr lang="en-US"/>
           </a:p>
@@ -2424,7 +2508,7 @@
             <a:fld id="{1D8BD707-D9CF-40AE-B4C6-C98DA3205C09}" type="datetimeFigureOut">
               <a:rPr lang="en-US" smtClean="0"/>
               <a:pPr/>
-              <a:t>7/20/2023</a:t>
+              <a:t>7/25/2023</a:t>
             </a:fld>
             <a:endParaRPr lang="en-US"/>
           </a:p>
@@ -2666,7 +2750,7 @@
             <a:fld id="{1D8BD707-D9CF-40AE-B4C6-C98DA3205C09}" type="datetimeFigureOut">
               <a:rPr lang="en-US" smtClean="0"/>
               <a:pPr/>
-              <a:t>7/20/2023</a:t>
+              <a:t>7/25/2023</a:t>
             </a:fld>
             <a:endParaRPr lang="en-US"/>
           </a:p>
@@ -2948,7 +3032,7 @@
             <a:fld id="{1D8BD707-D9CF-40AE-B4C6-C98DA3205C09}" type="datetimeFigureOut">
               <a:rPr lang="en-US" smtClean="0"/>
               <a:pPr/>
-              <a:t>7/20/2023</a:t>
+              <a:t>7/25/2023</a:t>
             </a:fld>
             <a:endParaRPr lang="en-US"/>
           </a:p>
@@ -3364,7 +3448,7 @@
             <a:fld id="{1D8BD707-D9CF-40AE-B4C6-C98DA3205C09}" type="datetimeFigureOut">
               <a:rPr lang="en-US" smtClean="0"/>
               <a:pPr/>
-              <a:t>7/20/2023</a:t>
+              <a:t>7/25/2023</a:t>
             </a:fld>
             <a:endParaRPr lang="en-US"/>
           </a:p>
@@ -3478,7 +3562,7 @@
             <a:fld id="{1D8BD707-D9CF-40AE-B4C6-C98DA3205C09}" type="datetimeFigureOut">
               <a:rPr lang="en-US" smtClean="0"/>
               <a:pPr/>
-              <a:t>7/20/2023</a:t>
+              <a:t>7/25/2023</a:t>
             </a:fld>
             <a:endParaRPr lang="en-US"/>
           </a:p>
@@ -3570,7 +3654,7 @@
             <a:fld id="{1D8BD707-D9CF-40AE-B4C6-C98DA3205C09}" type="datetimeFigureOut">
               <a:rPr lang="en-US" smtClean="0"/>
               <a:pPr/>
-              <a:t>7/20/2023</a:t>
+              <a:t>7/25/2023</a:t>
             </a:fld>
             <a:endParaRPr lang="en-US"/>
           </a:p>
@@ -3842,7 +3926,7 @@
             <a:fld id="{1D8BD707-D9CF-40AE-B4C6-C98DA3205C09}" type="datetimeFigureOut">
               <a:rPr lang="en-US" smtClean="0"/>
               <a:pPr/>
-              <a:t>7/20/2023</a:t>
+              <a:t>7/25/2023</a:t>
             </a:fld>
             <a:endParaRPr lang="en-US"/>
           </a:p>
@@ -4091,7 +4175,7 @@
             <a:fld id="{1D8BD707-D9CF-40AE-B4C6-C98DA3205C09}" type="datetimeFigureOut">
               <a:rPr lang="en-US" smtClean="0"/>
               <a:pPr/>
-              <a:t>7/20/2023</a:t>
+              <a:t>7/25/2023</a:t>
             </a:fld>
             <a:endParaRPr lang="en-US"/>
           </a:p>
@@ -4299,7 +4383,7 @@
             <a:fld id="{1D8BD707-D9CF-40AE-B4C6-C98DA3205C09}" type="datetimeFigureOut">
               <a:rPr lang="en-US" smtClean="0"/>
               <a:pPr/>
-              <a:t>7/20/2023</a:t>
+              <a:t>7/25/2023</a:t>
             </a:fld>
             <a:endParaRPr lang="en-US"/>
           </a:p>
@@ -11887,13 +11971,13 @@
           <p:nvPr/>
         </p:nvPicPr>
         <p:blipFill>
-          <a:blip r:embed="rId2" cstate="print">
+          <a:blip r:embed="rId3" cstate="print">
             <a:extLst>
               <a:ext uri="{28A0092B-C50C-407E-A947-70E740481C1C}">
                 <a14:useLocalDpi xmlns:a14="http://schemas.microsoft.com/office/drawing/2010/main" val="0"/>
               </a:ext>
               <a:ext uri="{96DAC541-7B7A-43D3-8B79-37D633B846F1}">
-                <asvg:svgBlip xmlns:asvg="http://schemas.microsoft.com/office/drawing/2016/SVG/main" r:embed="rId3"/>
+                <asvg:svgBlip xmlns:asvg="http://schemas.microsoft.com/office/drawing/2016/SVG/main" r:embed="rId4"/>
               </a:ext>
             </a:extLst>
           </a:blip>
@@ -11920,8 +12004,8 @@
         </p:nvSpPr>
         <p:spPr>
           <a:xfrm>
-            <a:off x="5391305" y="1940046"/>
-            <a:ext cx="9966459" cy="6131508"/>
+            <a:off x="5582762" y="2027946"/>
+            <a:ext cx="10523142" cy="756617"/>
           </a:xfrm>
           <a:prstGeom prst="rect">
             <a:avLst/>
@@ -11939,156 +12023,29 @@
               </a:lnSpc>
             </a:pPr>
             <a:r>
-              <a:rPr lang="en-US" sz="4199">
+              <a:rPr lang="en-US" sz="5400" dirty="0" err="1">
                 <a:solidFill>
                   <a:srgbClr val="FFFFFF"/>
                 </a:solidFill>
                 <a:latin typeface="Barlow Light Bold"/>
               </a:rPr>
-              <a:t>Preprocessing</a:t>
-            </a:r>
-          </a:p>
-          <a:p>
-            <a:pPr>
-              <a:lnSpc>
-                <a:spcPts val="4759"/>
-              </a:lnSpc>
-            </a:pPr>
-            <a:r>
-              <a:rPr lang="en-US" sz="3399">
-                <a:solidFill>
-                  <a:srgbClr val="FFFFFF"/>
-                </a:solidFill>
-                <a:latin typeface="Barlow Light"/>
-              </a:rPr>
-              <a:t>Tahapan Preprocessing yang penulis lakukan dalam penelitian ini adalah sebagai berikut:</a:t>
-            </a:r>
-          </a:p>
-          <a:p>
-            <a:pPr marL="734059" lvl="1" indent="-367030">
-              <a:lnSpc>
-                <a:spcPts val="4759"/>
-              </a:lnSpc>
-              <a:buFont typeface="Arial"/>
-              <a:buChar char="•"/>
-            </a:pPr>
-            <a:r>
-              <a:rPr lang="en-US" sz="3399">
-                <a:solidFill>
-                  <a:srgbClr val="FFFFFF"/>
-                </a:solidFill>
-                <a:latin typeface="Barlow Light Italics"/>
-              </a:rPr>
-              <a:t>Lowercasing</a:t>
-            </a:r>
-          </a:p>
-          <a:p>
-            <a:pPr marL="734059" lvl="1" indent="-367030">
-              <a:lnSpc>
-                <a:spcPts val="4759"/>
-              </a:lnSpc>
-              <a:buFont typeface="Arial"/>
-              <a:buChar char="•"/>
-            </a:pPr>
-            <a:r>
-              <a:rPr lang="en-US" sz="3399">
-                <a:solidFill>
-                  <a:srgbClr val="FFFFFF"/>
-                </a:solidFill>
-                <a:latin typeface="Barlow Light Italics"/>
-              </a:rPr>
-              <a:t>Puctuation Removal</a:t>
-            </a:r>
-          </a:p>
-          <a:p>
-            <a:pPr marL="734059" lvl="1" indent="-367030">
-              <a:lnSpc>
-                <a:spcPts val="4759"/>
-              </a:lnSpc>
-              <a:buFont typeface="Arial"/>
-              <a:buChar char="•"/>
-            </a:pPr>
-            <a:r>
-              <a:rPr lang="en-US" sz="3399">
-                <a:solidFill>
-                  <a:srgbClr val="FFFFFF"/>
-                </a:solidFill>
-                <a:latin typeface="Barlow Light Italics"/>
-              </a:rPr>
-              <a:t>Tokenizing</a:t>
-            </a:r>
-          </a:p>
-          <a:p>
-            <a:pPr marL="734059" lvl="1" indent="-367030">
-              <a:lnSpc>
-                <a:spcPts val="4759"/>
-              </a:lnSpc>
-              <a:buFont typeface="Arial"/>
-              <a:buChar char="•"/>
-            </a:pPr>
-            <a:r>
-              <a:rPr lang="en-US" sz="3399">
-                <a:solidFill>
-                  <a:srgbClr val="FFFFFF"/>
-                </a:solidFill>
-                <a:latin typeface="Barlow Light Italics"/>
-              </a:rPr>
-              <a:t>Slang Word Conversion</a:t>
-            </a:r>
-          </a:p>
-          <a:p>
-            <a:pPr marL="734059" lvl="1" indent="-367030">
-              <a:lnSpc>
-                <a:spcPts val="4759"/>
-              </a:lnSpc>
-              <a:buFont typeface="Arial"/>
-              <a:buChar char="•"/>
-            </a:pPr>
-            <a:r>
-              <a:rPr lang="en-US" sz="3399">
-                <a:solidFill>
-                  <a:srgbClr val="FFFFFF"/>
-                </a:solidFill>
-                <a:latin typeface="Barlow Light Italics"/>
-              </a:rPr>
-              <a:t>Stop Word Removal</a:t>
-            </a:r>
-          </a:p>
-          <a:p>
-            <a:pPr marL="734059" lvl="1" indent="-367030">
-              <a:lnSpc>
-                <a:spcPts val="4759"/>
-              </a:lnSpc>
-              <a:buFont typeface="Arial"/>
-              <a:buChar char="•"/>
-            </a:pPr>
-            <a:r>
-              <a:rPr lang="en-US" sz="3399">
-                <a:solidFill>
-                  <a:srgbClr val="FFFFFF"/>
-                </a:solidFill>
-                <a:latin typeface="Barlow Light Italics"/>
-              </a:rPr>
-              <a:t>Stemming</a:t>
-            </a:r>
-          </a:p>
-          <a:p>
-            <a:pPr marL="734059" lvl="1" indent="-367030">
-              <a:lnSpc>
-                <a:spcPts val="4759"/>
-              </a:lnSpc>
-              <a:buFont typeface="Arial"/>
-              <a:buChar char="•"/>
-            </a:pPr>
-            <a:r>
-              <a:rPr lang="en-US" sz="3399">
-                <a:solidFill>
-                  <a:srgbClr val="FFFFFF"/>
-                </a:solidFill>
-                <a:latin typeface="Barlow Light Italics"/>
-              </a:rPr>
-              <a:t>Synonim</a:t>
-            </a:r>
+              <a:t>Apa</a:t>
+            </a:r>
+            <a:r>
+              <a:rPr lang="en-US" sz="5400" dirty="0">
+                <a:solidFill>
+                  <a:srgbClr val="FFFFFF"/>
+                </a:solidFill>
+                <a:latin typeface="Barlow Light Bold"/>
+              </a:rPr>
+              <a:t> itu Sentiment Analysis?</a:t>
+            </a:r>
+            <a:endParaRPr lang="en-US" sz="4400" dirty="0">
+              <a:solidFill>
+                <a:srgbClr val="FFFFFF"/>
+              </a:solidFill>
+              <a:latin typeface="Barlow Light"/>
+            </a:endParaRPr>
           </a:p>
         </p:txBody>
       </p:sp>
@@ -12101,7 +12058,7 @@
         <p:spPr>
           <a:xfrm>
             <a:off x="16304906" y="9237376"/>
-            <a:ext cx="1344853" cy="523875"/>
+            <a:ext cx="1344853" cy="501227"/>
           </a:xfrm>
           <a:prstGeom prst="rect">
             <a:avLst/>
@@ -12119,7 +12076,7 @@
               </a:lnSpc>
             </a:pPr>
             <a:r>
-              <a:rPr lang="en-US" sz="3000">
+              <a:rPr lang="en-US" sz="3000" dirty="0">
                 <a:solidFill>
                   <a:srgbClr val="695941"/>
                 </a:solidFill>
@@ -12139,13 +12096,13 @@
           <p:nvPr/>
         </p:nvPicPr>
         <p:blipFill>
-          <a:blip r:embed="rId2" cstate="print">
+          <a:blip r:embed="rId3" cstate="print">
             <a:extLst>
               <a:ext uri="{28A0092B-C50C-407E-A947-70E740481C1C}">
                 <a14:useLocalDpi xmlns:a14="http://schemas.microsoft.com/office/drawing/2010/main" val="0"/>
               </a:ext>
               <a:ext uri="{96DAC541-7B7A-43D3-8B79-37D633B846F1}">
-                <asvg:svgBlip xmlns:asvg="http://schemas.microsoft.com/office/drawing/2016/SVG/main" r:embed="rId3"/>
+                <asvg:svgBlip xmlns:asvg="http://schemas.microsoft.com/office/drawing/2016/SVG/main" r:embed="rId4"/>
               </a:ext>
             </a:extLst>
           </a:blip>
@@ -12372,7 +12329,7 @@
           <p:nvPr/>
         </p:nvPicPr>
         <p:blipFill>
-          <a:blip r:embed="rId4"/>
+          <a:blip r:embed="rId5"/>
           <a:srcRect/>
           <a:stretch>
             <a:fillRect/>
@@ -12448,6 +12405,53 @@
           </a:p>
         </p:txBody>
       </p:sp>
+      <p:pic>
+        <p:nvPicPr>
+          <p:cNvPr id="1026" name="Picture 2" descr="Uncover Emotions: Social Media Sentiment Analysis">
+            <a:extLst>
+              <a:ext uri="{FF2B5EF4-FFF2-40B4-BE49-F238E27FC236}">
+                <a16:creationId xmlns:a16="http://schemas.microsoft.com/office/drawing/2014/main" id="{80D45B0B-78CC-72EF-5AAE-CB165C187E98}"/>
+              </a:ext>
+            </a:extLst>
+          </p:cNvPr>
+          <p:cNvPicPr>
+            <a:picLocks noChangeAspect="1" noChangeArrowheads="1"/>
+          </p:cNvPicPr>
+          <p:nvPr/>
+        </p:nvPicPr>
+        <p:blipFill>
+          <a:blip r:embed="rId6">
+            <a:extLst>
+              <a:ext uri="{28A0092B-C50C-407E-A947-70E740481C1C}">
+                <a14:useLocalDpi xmlns:a14="http://schemas.microsoft.com/office/drawing/2010/main" val="0"/>
+              </a:ext>
+            </a:extLst>
+          </a:blip>
+          <a:srcRect/>
+          <a:stretch>
+            <a:fillRect/>
+          </a:stretch>
+        </p:blipFill>
+        <p:spPr bwMode="auto">
+          <a:xfrm>
+            <a:off x="5500410" y="2935402"/>
+            <a:ext cx="10912723" cy="4278886"/>
+          </a:xfrm>
+          <a:prstGeom prst="rect">
+            <a:avLst/>
+          </a:prstGeom>
+          <a:noFill/>
+          <a:extLst>
+            <a:ext uri="{909E8E84-426E-40DD-AFC4-6F175D3DCCD1}">
+              <a14:hiddenFill xmlns:a14="http://schemas.microsoft.com/office/drawing/2010/main">
+                <a:solidFill>
+                  <a:srgbClr val="FFFFFF"/>
+                </a:solidFill>
+              </a14:hiddenFill>
+            </a:ext>
+          </a:extLst>
+        </p:spPr>
+      </p:pic>
     </p:spTree>
   </p:cSld>
   <p:clrMapOvr>
@@ -13172,13 +13176,13 @@
           <p:nvPr/>
         </p:nvPicPr>
         <p:blipFill>
-          <a:blip r:embed="rId3" cstate="print">
+          <a:blip r:embed="rId2" cstate="print">
             <a:extLst>
               <a:ext uri="{28A0092B-C50C-407E-A947-70E740481C1C}">
                 <a14:useLocalDpi xmlns:a14="http://schemas.microsoft.com/office/drawing/2010/main" val="0"/>
               </a:ext>
               <a:ext uri="{96DAC541-7B7A-43D3-8B79-37D633B846F1}">
-                <asvg:svgBlip xmlns:asvg="http://schemas.microsoft.com/office/drawing/2016/SVG/main" r:embed="rId4"/>
+                <asvg:svgBlip xmlns:asvg="http://schemas.microsoft.com/office/drawing/2016/SVG/main" r:embed="rId3"/>
               </a:ext>
             </a:extLst>
           </a:blip>
@@ -13205,8 +13209,8 @@
         </p:nvSpPr>
         <p:spPr>
           <a:xfrm>
-            <a:off x="5582762" y="2027946"/>
-            <a:ext cx="10523142" cy="756617"/>
+            <a:off x="5391305" y="1940046"/>
+            <a:ext cx="9966459" cy="6131508"/>
           </a:xfrm>
           <a:prstGeom prst="rect">
             <a:avLst/>
@@ -13224,29 +13228,156 @@
               </a:lnSpc>
             </a:pPr>
             <a:r>
-              <a:rPr lang="en-US" sz="5400" dirty="0" err="1">
+              <a:rPr lang="en-US" sz="4199">
                 <a:solidFill>
                   <a:srgbClr val="FFFFFF"/>
                 </a:solidFill>
                 <a:latin typeface="Barlow Light Bold"/>
               </a:rPr>
-              <a:t>Apa</a:t>
-            </a:r>
-            <a:r>
-              <a:rPr lang="en-US" sz="5400" dirty="0">
-                <a:solidFill>
-                  <a:srgbClr val="FFFFFF"/>
-                </a:solidFill>
-                <a:latin typeface="Barlow Light Bold"/>
-              </a:rPr>
-              <a:t> itu Sentiment Analysis?</a:t>
-            </a:r>
-            <a:endParaRPr lang="en-US" sz="4400" dirty="0">
-              <a:solidFill>
-                <a:srgbClr val="FFFFFF"/>
-              </a:solidFill>
-              <a:latin typeface="Barlow Light"/>
-            </a:endParaRPr>
+              <a:t>Preprocessing</a:t>
+            </a:r>
+          </a:p>
+          <a:p>
+            <a:pPr>
+              <a:lnSpc>
+                <a:spcPts val="4759"/>
+              </a:lnSpc>
+            </a:pPr>
+            <a:r>
+              <a:rPr lang="en-US" sz="3399">
+                <a:solidFill>
+                  <a:srgbClr val="FFFFFF"/>
+                </a:solidFill>
+                <a:latin typeface="Barlow Light"/>
+              </a:rPr>
+              <a:t>Tahapan Preprocessing yang penulis lakukan dalam penelitian ini adalah sebagai berikut:</a:t>
+            </a:r>
+          </a:p>
+          <a:p>
+            <a:pPr marL="734059" lvl="1" indent="-367030">
+              <a:lnSpc>
+                <a:spcPts val="4759"/>
+              </a:lnSpc>
+              <a:buFont typeface="Arial"/>
+              <a:buChar char="•"/>
+            </a:pPr>
+            <a:r>
+              <a:rPr lang="en-US" sz="3399">
+                <a:solidFill>
+                  <a:srgbClr val="FFFFFF"/>
+                </a:solidFill>
+                <a:latin typeface="Barlow Light Italics"/>
+              </a:rPr>
+              <a:t>Lowercasing</a:t>
+            </a:r>
+          </a:p>
+          <a:p>
+            <a:pPr marL="734059" lvl="1" indent="-367030">
+              <a:lnSpc>
+                <a:spcPts val="4759"/>
+              </a:lnSpc>
+              <a:buFont typeface="Arial"/>
+              <a:buChar char="•"/>
+            </a:pPr>
+            <a:r>
+              <a:rPr lang="en-US" sz="3399">
+                <a:solidFill>
+                  <a:srgbClr val="FFFFFF"/>
+                </a:solidFill>
+                <a:latin typeface="Barlow Light Italics"/>
+              </a:rPr>
+              <a:t>Puctuation Removal</a:t>
+            </a:r>
+          </a:p>
+          <a:p>
+            <a:pPr marL="734059" lvl="1" indent="-367030">
+              <a:lnSpc>
+                <a:spcPts val="4759"/>
+              </a:lnSpc>
+              <a:buFont typeface="Arial"/>
+              <a:buChar char="•"/>
+            </a:pPr>
+            <a:r>
+              <a:rPr lang="en-US" sz="3399">
+                <a:solidFill>
+                  <a:srgbClr val="FFFFFF"/>
+                </a:solidFill>
+                <a:latin typeface="Barlow Light Italics"/>
+              </a:rPr>
+              <a:t>Tokenizing</a:t>
+            </a:r>
+          </a:p>
+          <a:p>
+            <a:pPr marL="734059" lvl="1" indent="-367030">
+              <a:lnSpc>
+                <a:spcPts val="4759"/>
+              </a:lnSpc>
+              <a:buFont typeface="Arial"/>
+              <a:buChar char="•"/>
+            </a:pPr>
+            <a:r>
+              <a:rPr lang="en-US" sz="3399">
+                <a:solidFill>
+                  <a:srgbClr val="FFFFFF"/>
+                </a:solidFill>
+                <a:latin typeface="Barlow Light Italics"/>
+              </a:rPr>
+              <a:t>Slang Word Conversion</a:t>
+            </a:r>
+          </a:p>
+          <a:p>
+            <a:pPr marL="734059" lvl="1" indent="-367030">
+              <a:lnSpc>
+                <a:spcPts val="4759"/>
+              </a:lnSpc>
+              <a:buFont typeface="Arial"/>
+              <a:buChar char="•"/>
+            </a:pPr>
+            <a:r>
+              <a:rPr lang="en-US" sz="3399">
+                <a:solidFill>
+                  <a:srgbClr val="FFFFFF"/>
+                </a:solidFill>
+                <a:latin typeface="Barlow Light Italics"/>
+              </a:rPr>
+              <a:t>Stop Word Removal</a:t>
+            </a:r>
+          </a:p>
+          <a:p>
+            <a:pPr marL="734059" lvl="1" indent="-367030">
+              <a:lnSpc>
+                <a:spcPts val="4759"/>
+              </a:lnSpc>
+              <a:buFont typeface="Arial"/>
+              <a:buChar char="•"/>
+            </a:pPr>
+            <a:r>
+              <a:rPr lang="en-US" sz="3399">
+                <a:solidFill>
+                  <a:srgbClr val="FFFFFF"/>
+                </a:solidFill>
+                <a:latin typeface="Barlow Light Italics"/>
+              </a:rPr>
+              <a:t>Stemming</a:t>
+            </a:r>
+          </a:p>
+          <a:p>
+            <a:pPr marL="734059" lvl="1" indent="-367030">
+              <a:lnSpc>
+                <a:spcPts val="4759"/>
+              </a:lnSpc>
+              <a:buFont typeface="Arial"/>
+              <a:buChar char="•"/>
+            </a:pPr>
+            <a:r>
+              <a:rPr lang="en-US" sz="3399">
+                <a:solidFill>
+                  <a:srgbClr val="FFFFFF"/>
+                </a:solidFill>
+                <a:latin typeface="Barlow Light Italics"/>
+              </a:rPr>
+              <a:t>Synonim</a:t>
+            </a:r>
           </a:p>
         </p:txBody>
       </p:sp>
@@ -13259,7 +13390,7 @@
         <p:spPr>
           <a:xfrm>
             <a:off x="16304906" y="9237376"/>
-            <a:ext cx="1344853" cy="523875"/>
+            <a:ext cx="1344853" cy="501227"/>
           </a:xfrm>
           <a:prstGeom prst="rect">
             <a:avLst/>
@@ -13277,7 +13408,7 @@
               </a:lnSpc>
             </a:pPr>
             <a:r>
-              <a:rPr lang="en-US" sz="3000">
+              <a:rPr lang="en-US" sz="3000" dirty="0">
                 <a:solidFill>
                   <a:srgbClr val="695941"/>
                 </a:solidFill>
@@ -13297,13 +13428,13 @@
           <p:nvPr/>
         </p:nvPicPr>
         <p:blipFill>
-          <a:blip r:embed="rId3" cstate="print">
+          <a:blip r:embed="rId2" cstate="print">
             <a:extLst>
               <a:ext uri="{28A0092B-C50C-407E-A947-70E740481C1C}">
                 <a14:useLocalDpi xmlns:a14="http://schemas.microsoft.com/office/drawing/2010/main" val="0"/>
               </a:ext>
               <a:ext uri="{96DAC541-7B7A-43D3-8B79-37D633B846F1}">
-                <asvg:svgBlip xmlns:asvg="http://schemas.microsoft.com/office/drawing/2016/SVG/main" r:embed="rId4"/>
+                <asvg:svgBlip xmlns:asvg="http://schemas.microsoft.com/office/drawing/2016/SVG/main" r:embed="rId3"/>
               </a:ext>
             </a:extLst>
           </a:blip>
@@ -13530,7 +13661,7 @@
           <p:nvPr/>
         </p:nvPicPr>
         <p:blipFill>
-          <a:blip r:embed="rId5"/>
+          <a:blip r:embed="rId4"/>
           <a:srcRect/>
           <a:stretch>
             <a:fillRect/>
@@ -13606,53 +13737,6 @@
           </a:p>
         </p:txBody>
       </p:sp>
-      <p:pic>
-        <p:nvPicPr>
-          <p:cNvPr id="1026" name="Picture 2" descr="Uncover Emotions: Social Media Sentiment Analysis">
-            <a:extLst>
-              <a:ext uri="{FF2B5EF4-FFF2-40B4-BE49-F238E27FC236}">
-                <a16:creationId xmlns:a16="http://schemas.microsoft.com/office/drawing/2014/main" id="{80D45B0B-78CC-72EF-5AAE-CB165C187E98}"/>
-              </a:ext>
-            </a:extLst>
-          </p:cNvPr>
-          <p:cNvPicPr>
-            <a:picLocks noChangeAspect="1" noChangeArrowheads="1"/>
-          </p:cNvPicPr>
-          <p:nvPr/>
-        </p:nvPicPr>
-        <p:blipFill>
-          <a:blip r:embed="rId6">
-            <a:extLst>
-              <a:ext uri="{28A0092B-C50C-407E-A947-70E740481C1C}">
-                <a14:useLocalDpi xmlns:a14="http://schemas.microsoft.com/office/drawing/2010/main" val="0"/>
-              </a:ext>
-            </a:extLst>
-          </a:blip>
-          <a:srcRect/>
-          <a:stretch>
-            <a:fillRect/>
-          </a:stretch>
-        </p:blipFill>
-        <p:spPr bwMode="auto">
-          <a:xfrm>
-            <a:off x="5277982" y="3409258"/>
-            <a:ext cx="10912723" cy="4278886"/>
-          </a:xfrm>
-          <a:prstGeom prst="rect">
-            <a:avLst/>
-          </a:prstGeom>
-          <a:noFill/>
-          <a:extLst>
-            <a:ext uri="{909E8E84-426E-40DD-AFC4-6F175D3DCCD1}">
-              <a14:hiddenFill xmlns:a14="http://schemas.microsoft.com/office/drawing/2010/main">
-                <a:solidFill>
-                  <a:srgbClr val="FFFFFF"/>
-                </a:solidFill>
-              </a14:hiddenFill>
-            </a:ext>
-          </a:extLst>
-        </p:spPr>
-      </p:pic>
     </p:spTree>
   </p:cSld>
   <p:clrMapOvr>
@@ -14029,7 +14113,7 @@
         </p:nvGrpSpPr>
         <p:grpSpPr>
           <a:xfrm>
-            <a:off x="-93392" y="1319573"/>
+            <a:off x="-195631" y="1319572"/>
             <a:ext cx="19093032" cy="7660616"/>
             <a:chOff x="0" y="0"/>
             <a:chExt cx="5028618" cy="2017611"/>
@@ -14702,7 +14786,7 @@
         </p:blipFill>
         <p:spPr>
           <a:xfrm>
-            <a:off x="5291118" y="5864983"/>
+            <a:off x="5291118" y="6424724"/>
             <a:ext cx="3370089" cy="889130"/>
           </a:xfrm>
           <a:prstGeom prst="rect">
@@ -14727,7 +14811,7 @@
         </p:blipFill>
         <p:spPr>
           <a:xfrm>
-            <a:off x="5291118" y="7572496"/>
+            <a:off x="5291118" y="8132237"/>
             <a:ext cx="2537502" cy="929580"/>
           </a:xfrm>
           <a:prstGeom prst="rect">
@@ -15138,7 +15222,7 @@
         <p:spPr>
           <a:xfrm>
             <a:off x="5291118" y="5160900"/>
-            <a:ext cx="12823348" cy="589783"/>
+            <a:ext cx="12823348" cy="1164421"/>
           </a:xfrm>
           <a:prstGeom prst="rect">
             <a:avLst/>
@@ -15156,14 +15240,83 @@
               </a:lnSpc>
             </a:pPr>
             <a:r>
-              <a:rPr lang="en-US" sz="3399">
+              <a:rPr lang="en-US" sz="3399" dirty="0">
                 <a:solidFill>
                   <a:srgbClr val="FFFFFF"/>
                 </a:solidFill>
                 <a:latin typeface="Barlow Light"/>
               </a:rPr>
-              <a:t>IDF (Inverse Document Frequency)  kebalikan dari frekuensi dokumen </a:t>
-            </a:r>
+              <a:t>IDF (Inverse Document Frequency) </a:t>
+            </a:r>
+            <a:r>
+              <a:rPr lang="en-US" sz="3399" dirty="0" err="1">
+                <a:solidFill>
+                  <a:srgbClr val="FFFFFF"/>
+                </a:solidFill>
+                <a:latin typeface="Barlow Light"/>
+              </a:rPr>
+              <a:t>banyak</a:t>
+            </a:r>
+            <a:r>
+              <a:rPr lang="en-US" sz="3399" dirty="0">
+                <a:solidFill>
+                  <a:srgbClr val="FFFFFF"/>
+                </a:solidFill>
+                <a:latin typeface="Barlow Light"/>
+              </a:rPr>
+              <a:t> </a:t>
+            </a:r>
+            <a:r>
+              <a:rPr lang="en-US" sz="3399" dirty="0" err="1">
+                <a:solidFill>
+                  <a:srgbClr val="FFFFFF"/>
+                </a:solidFill>
+                <a:latin typeface="Barlow Light"/>
+              </a:rPr>
+              <a:t>dokumen</a:t>
+            </a:r>
+            <a:r>
+              <a:rPr lang="en-US" sz="3399" dirty="0">
+                <a:solidFill>
+                  <a:srgbClr val="FFFFFF"/>
+                </a:solidFill>
+                <a:latin typeface="Barlow Light"/>
+              </a:rPr>
+              <a:t> yang </a:t>
+            </a:r>
+            <a:r>
+              <a:rPr lang="en-US" sz="3399" dirty="0" err="1">
+                <a:solidFill>
+                  <a:srgbClr val="FFFFFF"/>
+                </a:solidFill>
+                <a:latin typeface="Barlow Light"/>
+              </a:rPr>
+              <a:t>mengandung</a:t>
+            </a:r>
+            <a:r>
+              <a:rPr lang="en-US" sz="3399" dirty="0">
+                <a:solidFill>
+                  <a:srgbClr val="FFFFFF"/>
+                </a:solidFill>
+                <a:latin typeface="Barlow Light"/>
+              </a:rPr>
+              <a:t> kata </a:t>
+            </a:r>
+            <a:r>
+              <a:rPr lang="en-US" sz="3399" dirty="0" err="1">
+                <a:solidFill>
+                  <a:srgbClr val="FFFFFF"/>
+                </a:solidFill>
+                <a:latin typeface="Barlow Light"/>
+              </a:rPr>
+              <a:t>tertentu</a:t>
+            </a:r>
+            <a:endParaRPr lang="en-US" sz="3399" dirty="0">
+              <a:solidFill>
+                <a:srgbClr val="FFFFFF"/>
+              </a:solidFill>
+              <a:latin typeface="Barlow Light"/>
+            </a:endParaRPr>
           </a:p>
         </p:txBody>
       </p:sp>
@@ -15175,7 +15328,7 @@
         </p:nvSpPr>
         <p:spPr>
           <a:xfrm>
-            <a:off x="5291118" y="6868413"/>
+            <a:off x="5291118" y="7428154"/>
             <a:ext cx="12144245" cy="589783"/>
           </a:xfrm>
           <a:prstGeom prst="rect">
@@ -15194,14 +15347,56 @@
               </a:lnSpc>
             </a:pPr>
             <a:r>
-              <a:rPr lang="en-US" sz="3399">
+              <a:rPr lang="en-US" sz="3399" dirty="0" err="1">
                 <a:solidFill>
                   <a:srgbClr val="FFFFFF"/>
                 </a:solidFill>
                 <a:latin typeface="Barlow Light"/>
               </a:rPr>
-              <a:t>Sehingga TF-IDF didapat dengan persamaan</a:t>
-            </a:r>
+              <a:t>Sehingga</a:t>
+            </a:r>
+            <a:r>
+              <a:rPr lang="en-US" sz="3399" dirty="0">
+                <a:solidFill>
+                  <a:srgbClr val="FFFFFF"/>
+                </a:solidFill>
+                <a:latin typeface="Barlow Light"/>
+              </a:rPr>
+              <a:t> TF-IDF </a:t>
+            </a:r>
+            <a:r>
+              <a:rPr lang="en-US" sz="3399" dirty="0" err="1">
+                <a:solidFill>
+                  <a:srgbClr val="FFFFFF"/>
+                </a:solidFill>
+                <a:latin typeface="Barlow Light"/>
+              </a:rPr>
+              <a:t>didapat</a:t>
+            </a:r>
+            <a:r>
+              <a:rPr lang="en-US" sz="3399" dirty="0">
+                <a:solidFill>
+                  <a:srgbClr val="FFFFFF"/>
+                </a:solidFill>
+                <a:latin typeface="Barlow Light"/>
+              </a:rPr>
+              <a:t> dengan </a:t>
+            </a:r>
+            <a:r>
+              <a:rPr lang="en-US" sz="3399" dirty="0" err="1">
+                <a:solidFill>
+                  <a:srgbClr val="FFFFFF"/>
+                </a:solidFill>
+                <a:latin typeface="Barlow Light"/>
+              </a:rPr>
+              <a:t>persamaan</a:t>
+            </a:r>
+            <a:endParaRPr lang="en-US" sz="3399" dirty="0">
+              <a:solidFill>
+                <a:srgbClr val="FFFFFF"/>
+              </a:solidFill>
+              <a:latin typeface="Barlow Light"/>
+            </a:endParaRPr>
           </a:p>
         </p:txBody>
       </p:sp>
@@ -18562,13 +18757,13 @@
           <p:nvPr/>
         </p:nvPicPr>
         <p:blipFill>
-          <a:blip r:embed="rId2">
+          <a:blip r:embed="rId3">
             <a:extLst>
               <a:ext uri="{28A0092B-C50C-407E-A947-70E740481C1C}">
                 <a14:useLocalDpi xmlns:a14="http://schemas.microsoft.com/office/drawing/2010/main" val="0"/>
               </a:ext>
               <a:ext uri="{96DAC541-7B7A-43D3-8B79-37D633B846F1}">
-                <asvg:svgBlip xmlns:asvg="http://schemas.microsoft.com/office/drawing/2016/SVG/main" r:embed="rId3"/>
+                <asvg:svgBlip xmlns:asvg="http://schemas.microsoft.com/office/drawing/2016/SVG/main" r:embed="rId4"/>
               </a:ext>
             </a:extLst>
           </a:blip>
@@ -18795,7 +18990,7 @@
           <p:nvPr/>
         </p:nvPicPr>
         <p:blipFill>
-          <a:blip r:embed="rId4"/>
+          <a:blip r:embed="rId5"/>
           <a:srcRect/>
           <a:stretch>
             <a:fillRect/>
@@ -18820,7 +19015,7 @@
           <p:nvPr/>
         </p:nvPicPr>
         <p:blipFill>
-          <a:blip r:embed="rId5"/>
+          <a:blip r:embed="rId6"/>
           <a:srcRect t="3613"/>
           <a:stretch>
             <a:fillRect/>
@@ -18845,13 +19040,13 @@
           <p:nvPr/>
         </p:nvPicPr>
         <p:blipFill>
-          <a:blip r:embed="rId6">
+          <a:blip r:embed="rId7">
             <a:extLst>
               <a:ext uri="{28A0092B-C50C-407E-A947-70E740481C1C}">
                 <a14:useLocalDpi xmlns:a14="http://schemas.microsoft.com/office/drawing/2010/main" val="0"/>
               </a:ext>
               <a:ext uri="{96DAC541-7B7A-43D3-8B79-37D633B846F1}">
-                <asvg:svgBlip xmlns:asvg="http://schemas.microsoft.com/office/drawing/2016/SVG/main" r:embed="rId7"/>
+                <asvg:svgBlip xmlns:asvg="http://schemas.microsoft.com/office/drawing/2016/SVG/main" r:embed="rId8"/>
               </a:ext>
             </a:extLst>
           </a:blip>
@@ -33689,7 +33884,7 @@
         <p:spPr>
           <a:xfrm>
             <a:off x="4945801" y="3632553"/>
-            <a:ext cx="9146614" cy="4593565"/>
+            <a:ext cx="9146614" cy="5260414"/>
           </a:xfrm>
           <a:prstGeom prst="rect">
             <a:avLst/>
@@ -33709,7 +33904,7 @@
               <a:buChar char="•"/>
             </a:pPr>
             <a:r>
-              <a:rPr lang="en-US" sz="3600">
+              <a:rPr lang="en-US" sz="3600" dirty="0">
                 <a:solidFill>
                   <a:srgbClr val="695941"/>
                 </a:solidFill>
@@ -33901,7 +34096,7 @@
                 </a:solidFill>
                 <a:latin typeface="Barlow Light"/>
               </a:rPr>
-              <a:t> SVM Kernel RBF</a:t>
+              <a:t> SVM Kernel Gaussian RBF</a:t>
             </a:r>
           </a:p>
           <a:p>

--- a/Sidang Michael Alfonso.pptx
+++ b/Sidang Michael Alfonso.pptx
@@ -283,7 +283,7 @@
           <a:p>
             <a:fld id="{989B473C-4971-416F-9659-AA3514C828BF}" type="datetimeFigureOut">
               <a:rPr lang="en-ID" smtClean="0"/>
-              <a:t>25/07/2023</a:t>
+              <a:t>29/07/2023</a:t>
             </a:fld>
             <a:endParaRPr lang="en-ID"/>
           </a:p>
@@ -2003,7 +2003,7 @@
             <a:fld id="{1D8BD707-D9CF-40AE-B4C6-C98DA3205C09}" type="datetimeFigureOut">
               <a:rPr lang="en-US" smtClean="0"/>
               <a:pPr/>
-              <a:t>7/25/2023</a:t>
+              <a:t>7/29/2023</a:t>
             </a:fld>
             <a:endParaRPr lang="en-US"/>
           </a:p>
@@ -2168,7 +2168,7 @@
             <a:fld id="{1D8BD707-D9CF-40AE-B4C6-C98DA3205C09}" type="datetimeFigureOut">
               <a:rPr lang="en-US" smtClean="0"/>
               <a:pPr/>
-              <a:t>7/25/2023</a:t>
+              <a:t>7/29/2023</a:t>
             </a:fld>
             <a:endParaRPr lang="en-US"/>
           </a:p>
@@ -2343,7 +2343,7 @@
             <a:fld id="{1D8BD707-D9CF-40AE-B4C6-C98DA3205C09}" type="datetimeFigureOut">
               <a:rPr lang="en-US" smtClean="0"/>
               <a:pPr/>
-              <a:t>7/25/2023</a:t>
+              <a:t>7/29/2023</a:t>
             </a:fld>
             <a:endParaRPr lang="en-US"/>
           </a:p>
@@ -2508,7 +2508,7 @@
             <a:fld id="{1D8BD707-D9CF-40AE-B4C6-C98DA3205C09}" type="datetimeFigureOut">
               <a:rPr lang="en-US" smtClean="0"/>
               <a:pPr/>
-              <a:t>7/25/2023</a:t>
+              <a:t>7/29/2023</a:t>
             </a:fld>
             <a:endParaRPr lang="en-US"/>
           </a:p>
@@ -2750,7 +2750,7 @@
             <a:fld id="{1D8BD707-D9CF-40AE-B4C6-C98DA3205C09}" type="datetimeFigureOut">
               <a:rPr lang="en-US" smtClean="0"/>
               <a:pPr/>
-              <a:t>7/25/2023</a:t>
+              <a:t>7/29/2023</a:t>
             </a:fld>
             <a:endParaRPr lang="en-US"/>
           </a:p>
@@ -3032,7 +3032,7 @@
             <a:fld id="{1D8BD707-D9CF-40AE-B4C6-C98DA3205C09}" type="datetimeFigureOut">
               <a:rPr lang="en-US" smtClean="0"/>
               <a:pPr/>
-              <a:t>7/25/2023</a:t>
+              <a:t>7/29/2023</a:t>
             </a:fld>
             <a:endParaRPr lang="en-US"/>
           </a:p>
@@ -3448,7 +3448,7 @@
             <a:fld id="{1D8BD707-D9CF-40AE-B4C6-C98DA3205C09}" type="datetimeFigureOut">
               <a:rPr lang="en-US" smtClean="0"/>
               <a:pPr/>
-              <a:t>7/25/2023</a:t>
+              <a:t>7/29/2023</a:t>
             </a:fld>
             <a:endParaRPr lang="en-US"/>
           </a:p>
@@ -3562,7 +3562,7 @@
             <a:fld id="{1D8BD707-D9CF-40AE-B4C6-C98DA3205C09}" type="datetimeFigureOut">
               <a:rPr lang="en-US" smtClean="0"/>
               <a:pPr/>
-              <a:t>7/25/2023</a:t>
+              <a:t>7/29/2023</a:t>
             </a:fld>
             <a:endParaRPr lang="en-US"/>
           </a:p>
@@ -3654,7 +3654,7 @@
             <a:fld id="{1D8BD707-D9CF-40AE-B4C6-C98DA3205C09}" type="datetimeFigureOut">
               <a:rPr lang="en-US" smtClean="0"/>
               <a:pPr/>
-              <a:t>7/25/2023</a:t>
+              <a:t>7/29/2023</a:t>
             </a:fld>
             <a:endParaRPr lang="en-US"/>
           </a:p>
@@ -3926,7 +3926,7 @@
             <a:fld id="{1D8BD707-D9CF-40AE-B4C6-C98DA3205C09}" type="datetimeFigureOut">
               <a:rPr lang="en-US" smtClean="0"/>
               <a:pPr/>
-              <a:t>7/25/2023</a:t>
+              <a:t>7/29/2023</a:t>
             </a:fld>
             <a:endParaRPr lang="en-US"/>
           </a:p>
@@ -4175,7 +4175,7 @@
             <a:fld id="{1D8BD707-D9CF-40AE-B4C6-C98DA3205C09}" type="datetimeFigureOut">
               <a:rPr lang="en-US" smtClean="0"/>
               <a:pPr/>
-              <a:t>7/25/2023</a:t>
+              <a:t>7/29/2023</a:t>
             </a:fld>
             <a:endParaRPr lang="en-US"/>
           </a:p>
@@ -4383,7 +4383,7 @@
             <a:fld id="{1D8BD707-D9CF-40AE-B4C6-C98DA3205C09}" type="datetimeFigureOut">
               <a:rPr lang="en-US" smtClean="0"/>
               <a:pPr/>
-              <a:t>7/25/2023</a:t>
+              <a:t>7/29/2023</a:t>
             </a:fld>
             <a:endParaRPr lang="en-US"/>
           </a:p>
@@ -32887,6 +32887,60 @@
           </p:txBody>
         </p:sp>
       </p:grpSp>
+      <p:sp>
+        <p:nvSpPr>
+          <p:cNvPr id="38" name="Rectangle 37">
+            <a:extLst>
+              <a:ext uri="{FF2B5EF4-FFF2-40B4-BE49-F238E27FC236}">
+                <a16:creationId xmlns:a16="http://schemas.microsoft.com/office/drawing/2014/main" id="{45A78074-D196-B65B-B602-13AA6AC46DC6}"/>
+              </a:ext>
+            </a:extLst>
+          </p:cNvPr>
+          <p:cNvSpPr/>
+          <p:nvPr/>
+        </p:nvSpPr>
+        <p:spPr>
+          <a:xfrm>
+            <a:off x="1223408" y="3860884"/>
+            <a:ext cx="3292240" cy="2927265"/>
+          </a:xfrm>
+          <a:prstGeom prst="rect">
+            <a:avLst/>
+          </a:prstGeom>
+          <a:solidFill>
+            <a:schemeClr val="bg1"/>
+          </a:solidFill>
+          <a:ln>
+            <a:solidFill>
+              <a:schemeClr val="tx1"/>
+            </a:solidFill>
+          </a:ln>
+        </p:spPr>
+        <p:style>
+          <a:lnRef idx="2">
+            <a:schemeClr val="accent1">
+              <a:shade val="15000"/>
+            </a:schemeClr>
+          </a:lnRef>
+          <a:fillRef idx="1">
+            <a:schemeClr val="accent1"/>
+          </a:fillRef>
+          <a:effectRef idx="0">
+            <a:schemeClr val="accent1"/>
+          </a:effectRef>
+          <a:fontRef idx="minor">
+            <a:schemeClr val="lt1"/>
+          </a:fontRef>
+        </p:style>
+        <p:txBody>
+          <a:bodyPr rtlCol="0" anchor="ctr"/>
+          <a:lstStyle/>
+          <a:p>
+            <a:pPr algn="ctr"/>
+            <a:endParaRPr lang="en-ID"/>
+          </a:p>
+        </p:txBody>
+      </p:sp>
       <p:grpSp>
         <p:nvGrpSpPr>
           <p:cNvPr id="5" name="Group 5"/>
@@ -33323,30 +33377,6 @@
           </p:txBody>
         </p:sp>
       </p:grpSp>
-      <p:sp>
-        <p:nvSpPr>
-          <p:cNvPr id="20" name="AutoShape 20"/>
-          <p:cNvSpPr/>
-          <p:nvPr/>
-        </p:nvSpPr>
-        <p:spPr>
-          <a:xfrm flipV="1">
-            <a:off x="3420445" y="2149833"/>
-            <a:ext cx="2047276" cy="6160993"/>
-          </a:xfrm>
-          <a:prstGeom prst="line">
-            <a:avLst/>
-          </a:prstGeom>
-          <a:ln w="38100" cap="flat">
-            <a:solidFill>
-              <a:srgbClr val="CDBEAA"/>
-            </a:solidFill>
-            <a:prstDash val="solid"/>
-            <a:headEnd type="none" w="sm" len="sm"/>
-            <a:tailEnd type="none" w="sm" len="sm"/>
-          </a:ln>
-        </p:spPr>
-      </p:sp>
       <p:pic>
         <p:nvPicPr>
           <p:cNvPr id="21" name="Picture 21"/>
@@ -33613,7 +33643,7 @@
         </p:nvSpPr>
         <p:spPr>
           <a:xfrm>
-            <a:off x="5641233" y="2307186"/>
+            <a:off x="5640664" y="1444986"/>
             <a:ext cx="7535707" cy="666849"/>
           </a:xfrm>
           <a:prstGeom prst="rect">
@@ -33824,10 +33854,10 @@
       </p:sp>
       <p:pic>
         <p:nvPicPr>
-          <p:cNvPr id="1026" name="Picture 2" descr="Tinta Millenial Sticker by rumah123 for iOS &amp; Android | GIPHY">
+          <p:cNvPr id="37" name="Picture 2" descr="Tinta Millenial Sticker by rumah123 for iOS &amp; Android | GIPHY">
             <a:extLst>
               <a:ext uri="{FF2B5EF4-FFF2-40B4-BE49-F238E27FC236}">
-                <a16:creationId xmlns:a16="http://schemas.microsoft.com/office/drawing/2014/main" id="{417FC536-BB33-122F-1630-179F8ED38EB3}"/>
+                <a16:creationId xmlns:a16="http://schemas.microsoft.com/office/drawing/2014/main" id="{8EACC0FC-C091-53DA-F11D-81D31220B355}"/>
               </a:ext>
             </a:extLst>
           </p:cNvPr>
@@ -33851,8 +33881,8 @@
         </p:blipFill>
         <p:spPr bwMode="auto">
           <a:xfrm>
-            <a:off x="13463191" y="1759592"/>
-            <a:ext cx="4572000" cy="4572000"/>
+            <a:off x="1557554" y="3994598"/>
+            <a:ext cx="2676466" cy="2676466"/>
           </a:xfrm>
           <a:prstGeom prst="rect">
             <a:avLst/>
@@ -33871,10 +33901,313 @@
       </p:pic>
       <p:sp>
         <p:nvSpPr>
-          <p:cNvPr id="34" name="TextBox 30">
+          <p:cNvPr id="39" name="Rectangle 38">
             <a:extLst>
               <a:ext uri="{FF2B5EF4-FFF2-40B4-BE49-F238E27FC236}">
-                <a16:creationId xmlns:a16="http://schemas.microsoft.com/office/drawing/2014/main" id="{A0D6AF9F-9AE5-17A0-2074-E7F3254A02F8}"/>
+                <a16:creationId xmlns:a16="http://schemas.microsoft.com/office/drawing/2014/main" id="{6A223798-63BB-78A2-D706-82BBFEF2CB42}"/>
+              </a:ext>
+            </a:extLst>
+          </p:cNvPr>
+          <p:cNvSpPr/>
+          <p:nvPr/>
+        </p:nvSpPr>
+        <p:spPr>
+          <a:xfrm>
+            <a:off x="5086595" y="3860883"/>
+            <a:ext cx="3292240" cy="2927265"/>
+          </a:xfrm>
+          <a:prstGeom prst="rect">
+            <a:avLst/>
+          </a:prstGeom>
+          <a:solidFill>
+            <a:schemeClr val="bg1"/>
+          </a:solidFill>
+          <a:ln>
+            <a:solidFill>
+              <a:schemeClr val="tx1"/>
+            </a:solidFill>
+          </a:ln>
+        </p:spPr>
+        <p:style>
+          <a:lnRef idx="2">
+            <a:schemeClr val="accent1">
+              <a:shade val="15000"/>
+            </a:schemeClr>
+          </a:lnRef>
+          <a:fillRef idx="1">
+            <a:schemeClr val="accent1"/>
+          </a:fillRef>
+          <a:effectRef idx="0">
+            <a:schemeClr val="accent1"/>
+          </a:effectRef>
+          <a:fontRef idx="minor">
+            <a:schemeClr val="lt1"/>
+          </a:fontRef>
+        </p:style>
+        <p:txBody>
+          <a:bodyPr rtlCol="0" anchor="ctr"/>
+          <a:lstStyle/>
+          <a:p>
+            <a:pPr algn="ctr"/>
+            <a:endParaRPr lang="en-ID"/>
+          </a:p>
+        </p:txBody>
+      </p:sp>
+      <p:pic>
+        <p:nvPicPr>
+          <p:cNvPr id="35" name="Picture 2" descr="Twitter Bird by Vitomir Gojak on Dribbble">
+            <a:extLst>
+              <a:ext uri="{FF2B5EF4-FFF2-40B4-BE49-F238E27FC236}">
+                <a16:creationId xmlns:a16="http://schemas.microsoft.com/office/drawing/2014/main" id="{679DD628-1C72-22F0-69F5-825BCE36E3C0}"/>
+              </a:ext>
+            </a:extLst>
+          </p:cNvPr>
+          <p:cNvPicPr>
+            <a:picLocks noChangeAspect="1" noChangeArrowheads="1"/>
+          </p:cNvPicPr>
+          <p:nvPr/>
+        </p:nvPicPr>
+        <p:blipFill>
+          <a:blip r:embed="rId7" cstate="print">
+            <a:extLst>
+              <a:ext uri="{28A0092B-C50C-407E-A947-70E740481C1C}">
+                <a14:useLocalDpi xmlns:a14="http://schemas.microsoft.com/office/drawing/2010/main" val="0"/>
+              </a:ext>
+            </a:extLst>
+          </a:blip>
+          <a:srcRect/>
+          <a:stretch>
+            <a:fillRect/>
+          </a:stretch>
+        </p:blipFill>
+        <p:spPr bwMode="auto">
+          <a:xfrm>
+            <a:off x="5234664" y="4137343"/>
+            <a:ext cx="3064158" cy="2374343"/>
+          </a:xfrm>
+          <a:prstGeom prst="rect">
+            <a:avLst/>
+          </a:prstGeom>
+          <a:noFill/>
+          <a:extLst>
+            <a:ext uri="{909E8E84-426E-40DD-AFC4-6F175D3DCCD1}">
+              <a14:hiddenFill xmlns:a14="http://schemas.microsoft.com/office/drawing/2010/main">
+                <a:solidFill>
+                  <a:srgbClr val="FFFFFF"/>
+                </a:solidFill>
+              </a14:hiddenFill>
+            </a:ext>
+          </a:extLst>
+        </p:spPr>
+      </p:pic>
+      <p:sp>
+        <p:nvSpPr>
+          <p:cNvPr id="40" name="Rectangle 39">
+            <a:extLst>
+              <a:ext uri="{FF2B5EF4-FFF2-40B4-BE49-F238E27FC236}">
+                <a16:creationId xmlns:a16="http://schemas.microsoft.com/office/drawing/2014/main" id="{3613A062-54CD-01DD-77C7-46252642CDB7}"/>
+              </a:ext>
+            </a:extLst>
+          </p:cNvPr>
+          <p:cNvSpPr/>
+          <p:nvPr/>
+        </p:nvSpPr>
+        <p:spPr>
+          <a:xfrm>
+            <a:off x="8870802" y="3860881"/>
+            <a:ext cx="3292240" cy="2927265"/>
+          </a:xfrm>
+          <a:prstGeom prst="rect">
+            <a:avLst/>
+          </a:prstGeom>
+          <a:solidFill>
+            <a:schemeClr val="bg1"/>
+          </a:solidFill>
+          <a:ln>
+            <a:solidFill>
+              <a:schemeClr val="tx1"/>
+            </a:solidFill>
+          </a:ln>
+        </p:spPr>
+        <p:style>
+          <a:lnRef idx="2">
+            <a:schemeClr val="accent1">
+              <a:shade val="15000"/>
+            </a:schemeClr>
+          </a:lnRef>
+          <a:fillRef idx="1">
+            <a:schemeClr val="accent1"/>
+          </a:fillRef>
+          <a:effectRef idx="0">
+            <a:schemeClr val="accent1"/>
+          </a:effectRef>
+          <a:fontRef idx="minor">
+            <a:schemeClr val="lt1"/>
+          </a:fontRef>
+        </p:style>
+        <p:txBody>
+          <a:bodyPr rtlCol="0" anchor="ctr"/>
+          <a:lstStyle/>
+          <a:p>
+            <a:pPr algn="ctr"/>
+            <a:endParaRPr lang="en-ID"/>
+          </a:p>
+        </p:txBody>
+      </p:sp>
+      <p:pic>
+        <p:nvPicPr>
+          <p:cNvPr id="1028" name="Picture 4" descr="Machine learning logo - Wi6Labs">
+            <a:extLst>
+              <a:ext uri="{FF2B5EF4-FFF2-40B4-BE49-F238E27FC236}">
+                <a16:creationId xmlns:a16="http://schemas.microsoft.com/office/drawing/2014/main" id="{8DFC52B2-97CC-07E0-99CD-9EB118AB81D0}"/>
+              </a:ext>
+            </a:extLst>
+          </p:cNvPr>
+          <p:cNvPicPr>
+            <a:picLocks noChangeAspect="1" noChangeArrowheads="1"/>
+          </p:cNvPicPr>
+          <p:nvPr/>
+        </p:nvPicPr>
+        <p:blipFill>
+          <a:blip r:embed="rId8">
+            <a:extLst>
+              <a:ext uri="{28A0092B-C50C-407E-A947-70E740481C1C}">
+                <a14:useLocalDpi xmlns:a14="http://schemas.microsoft.com/office/drawing/2010/main" val="0"/>
+              </a:ext>
+            </a:extLst>
+          </a:blip>
+          <a:srcRect/>
+          <a:stretch>
+            <a:fillRect/>
+          </a:stretch>
+        </p:blipFill>
+        <p:spPr bwMode="auto">
+          <a:xfrm>
+            <a:off x="9197989" y="4535453"/>
+            <a:ext cx="2704006" cy="1775915"/>
+          </a:xfrm>
+          <a:prstGeom prst="rect">
+            <a:avLst/>
+          </a:prstGeom>
+          <a:noFill/>
+          <a:extLst>
+            <a:ext uri="{909E8E84-426E-40DD-AFC4-6F175D3DCCD1}">
+              <a14:hiddenFill xmlns:a14="http://schemas.microsoft.com/office/drawing/2010/main">
+                <a:solidFill>
+                  <a:srgbClr val="FFFFFF"/>
+                </a:solidFill>
+              </a14:hiddenFill>
+            </a:ext>
+          </a:extLst>
+        </p:spPr>
+      </p:pic>
+      <p:sp>
+        <p:nvSpPr>
+          <p:cNvPr id="41" name="Rectangle 40">
+            <a:extLst>
+              <a:ext uri="{FF2B5EF4-FFF2-40B4-BE49-F238E27FC236}">
+                <a16:creationId xmlns:a16="http://schemas.microsoft.com/office/drawing/2014/main" id="{4E539277-6B91-8855-CBD6-61BBB273861A}"/>
+              </a:ext>
+            </a:extLst>
+          </p:cNvPr>
+          <p:cNvSpPr/>
+          <p:nvPr/>
+        </p:nvSpPr>
+        <p:spPr>
+          <a:xfrm>
+            <a:off x="12730167" y="3860880"/>
+            <a:ext cx="3292240" cy="2927265"/>
+          </a:xfrm>
+          <a:prstGeom prst="rect">
+            <a:avLst/>
+          </a:prstGeom>
+          <a:solidFill>
+            <a:schemeClr val="bg1"/>
+          </a:solidFill>
+          <a:ln>
+            <a:solidFill>
+              <a:schemeClr val="tx1"/>
+            </a:solidFill>
+          </a:ln>
+        </p:spPr>
+        <p:style>
+          <a:lnRef idx="2">
+            <a:schemeClr val="accent1">
+              <a:shade val="15000"/>
+            </a:schemeClr>
+          </a:lnRef>
+          <a:fillRef idx="1">
+            <a:schemeClr val="accent1"/>
+          </a:fillRef>
+          <a:effectRef idx="0">
+            <a:schemeClr val="accent1"/>
+          </a:effectRef>
+          <a:fontRef idx="minor">
+            <a:schemeClr val="lt1"/>
+          </a:fontRef>
+        </p:style>
+        <p:txBody>
+          <a:bodyPr rtlCol="0" anchor="ctr"/>
+          <a:lstStyle/>
+          <a:p>
+            <a:pPr algn="ctr"/>
+            <a:endParaRPr lang="en-ID"/>
+          </a:p>
+        </p:txBody>
+      </p:sp>
+      <p:pic>
+        <p:nvPicPr>
+          <p:cNvPr id="1030" name="Picture 6" descr="Survey Icon Png Circle Transparent PNG - 1032x1032 - Free Download on  NicePNG">
+            <a:extLst>
+              <a:ext uri="{FF2B5EF4-FFF2-40B4-BE49-F238E27FC236}">
+                <a16:creationId xmlns:a16="http://schemas.microsoft.com/office/drawing/2014/main" id="{C739718D-4FE2-680B-D013-E636DEC286BD}"/>
+              </a:ext>
+            </a:extLst>
+          </p:cNvPr>
+          <p:cNvPicPr>
+            <a:picLocks noChangeAspect="1" noChangeArrowheads="1"/>
+          </p:cNvPicPr>
+          <p:nvPr/>
+        </p:nvPicPr>
+        <p:blipFill>
+          <a:blip r:embed="rId9" cstate="print">
+            <a:extLst>
+              <a:ext uri="{28A0092B-C50C-407E-A947-70E740481C1C}">
+                <a14:useLocalDpi xmlns:a14="http://schemas.microsoft.com/office/drawing/2010/main" val="0"/>
+              </a:ext>
+            </a:extLst>
+          </a:blip>
+          <a:srcRect/>
+          <a:stretch>
+            <a:fillRect/>
+          </a:stretch>
+        </p:blipFill>
+        <p:spPr bwMode="auto">
+          <a:xfrm>
+            <a:off x="13014874" y="3948318"/>
+            <a:ext cx="2695594" cy="2827087"/>
+          </a:xfrm>
+          <a:prstGeom prst="rect">
+            <a:avLst/>
+          </a:prstGeom>
+          <a:noFill/>
+          <a:extLst>
+            <a:ext uri="{909E8E84-426E-40DD-AFC4-6F175D3DCCD1}">
+              <a14:hiddenFill xmlns:a14="http://schemas.microsoft.com/office/drawing/2010/main">
+                <a:solidFill>
+                  <a:srgbClr val="FFFFFF"/>
+                </a:solidFill>
+              </a14:hiddenFill>
+            </a:ext>
+          </a:extLst>
+        </p:spPr>
+      </p:pic>
+      <p:sp>
+        <p:nvSpPr>
+          <p:cNvPr id="42" name="TextBox 30">
+            <a:extLst>
+              <a:ext uri="{FF2B5EF4-FFF2-40B4-BE49-F238E27FC236}">
+                <a16:creationId xmlns:a16="http://schemas.microsoft.com/office/drawing/2014/main" id="{5D218FE8-25BC-0CF4-F15B-23B8D996776A}"/>
               </a:ext>
             </a:extLst>
           </p:cNvPr>
@@ -33883,8 +34216,8 @@
         </p:nvSpPr>
         <p:spPr>
           <a:xfrm>
-            <a:off x="4945801" y="3632553"/>
-            <a:ext cx="9146614" cy="5260414"/>
+            <a:off x="2184752" y="6788145"/>
+            <a:ext cx="1422069" cy="592470"/>
           </a:xfrm>
           <a:prstGeom prst="rect">
             <a:avLst/>
@@ -33896,263 +34229,168 @@
           </a:bodyPr>
           <a:lstStyle/>
           <a:p>
-            <a:pPr marL="571500" indent="-571500">
+            <a:pPr>
               <a:lnSpc>
                 <a:spcPts val="5179"/>
               </a:lnSpc>
-              <a:buFont typeface="Arial" panose="020B0604020202020204" pitchFamily="34" charset="0"/>
-              <a:buChar char="•"/>
             </a:pPr>
             <a:r>
-              <a:rPr lang="en-US" sz="3600" dirty="0">
+              <a:rPr lang="en-US" sz="3600" b="1" dirty="0" err="1">
                 <a:solidFill>
                   <a:srgbClr val="695941"/>
                 </a:solidFill>
                 <a:latin typeface="Barlow Light"/>
               </a:rPr>
-              <a:t>Media </a:t>
-            </a:r>
-            <a:r>
-              <a:rPr lang="en-US" sz="3600" dirty="0" err="1">
-                <a:solidFill>
-                  <a:srgbClr val="695941"/>
-                </a:solidFill>
-                <a:latin typeface="Barlow Light"/>
-              </a:rPr>
-              <a:t>sosial</a:t>
-            </a:r>
-            <a:r>
-              <a:rPr lang="en-US" sz="3600" dirty="0">
-                <a:solidFill>
-                  <a:srgbClr val="695941"/>
-                </a:solidFill>
-                <a:latin typeface="Barlow Light"/>
-              </a:rPr>
-              <a:t> Twitter </a:t>
-            </a:r>
-            <a:r>
-              <a:rPr lang="en-US" sz="3600" dirty="0" err="1">
-                <a:solidFill>
-                  <a:srgbClr val="695941"/>
-                </a:solidFill>
-                <a:latin typeface="Barlow Light"/>
-              </a:rPr>
-              <a:t>menjadi</a:t>
-            </a:r>
-            <a:r>
-              <a:rPr lang="en-US" sz="3600" dirty="0">
-                <a:solidFill>
-                  <a:srgbClr val="695941"/>
-                </a:solidFill>
-                <a:latin typeface="Barlow Light"/>
-              </a:rPr>
-              <a:t> </a:t>
-            </a:r>
-            <a:r>
-              <a:rPr lang="en-US" sz="3600" dirty="0" err="1">
-                <a:solidFill>
-                  <a:srgbClr val="695941"/>
-                </a:solidFill>
-                <a:latin typeface="Barlow Light"/>
-              </a:rPr>
-              <a:t>tempat</a:t>
-            </a:r>
-            <a:r>
-              <a:rPr lang="en-US" sz="3600" dirty="0">
-                <a:solidFill>
-                  <a:srgbClr val="695941"/>
-                </a:solidFill>
-                <a:latin typeface="Barlow Light"/>
-              </a:rPr>
-              <a:t> </a:t>
-            </a:r>
-            <a:r>
-              <a:rPr lang="en-US" sz="3600" dirty="0" err="1">
-                <a:solidFill>
-                  <a:srgbClr val="695941"/>
-                </a:solidFill>
-                <a:latin typeface="Barlow Light"/>
-              </a:rPr>
-              <a:t>diskusi</a:t>
-            </a:r>
-            <a:r>
-              <a:rPr lang="en-US" sz="3600" dirty="0">
-                <a:solidFill>
-                  <a:srgbClr val="695941"/>
-                </a:solidFill>
-                <a:latin typeface="Barlow Light"/>
-              </a:rPr>
-              <a:t> </a:t>
-            </a:r>
-            <a:r>
-              <a:rPr lang="en-US" sz="3600" dirty="0" err="1">
-                <a:solidFill>
-                  <a:srgbClr val="695941"/>
-                </a:solidFill>
-                <a:latin typeface="Barlow Light"/>
-              </a:rPr>
-              <a:t>politik</a:t>
-            </a:r>
-            <a:endParaRPr lang="en-US" sz="3600" dirty="0">
+              <a:t>Pemilu</a:t>
+            </a:r>
+            <a:endParaRPr lang="en-US" sz="3600" b="1" dirty="0">
               <a:solidFill>
                 <a:srgbClr val="695941"/>
               </a:solidFill>
               <a:latin typeface="Barlow Light"/>
             </a:endParaRPr>
           </a:p>
+        </p:txBody>
+      </p:sp>
+      <p:sp>
+        <p:nvSpPr>
+          <p:cNvPr id="43" name="TextBox 30">
+            <a:extLst>
+              <a:ext uri="{FF2B5EF4-FFF2-40B4-BE49-F238E27FC236}">
+                <a16:creationId xmlns:a16="http://schemas.microsoft.com/office/drawing/2014/main" id="{B8CDEB23-5EB3-5C0A-C9B4-3E299BD0373C}"/>
+              </a:ext>
+            </a:extLst>
+          </p:cNvPr>
+          <p:cNvSpPr txBox="1"/>
+          <p:nvPr/>
+        </p:nvSpPr>
+        <p:spPr>
+          <a:xfrm>
+            <a:off x="6015896" y="6847882"/>
+            <a:ext cx="1422069" cy="592470"/>
+          </a:xfrm>
+          <a:prstGeom prst="rect">
+            <a:avLst/>
+          </a:prstGeom>
+        </p:spPr>
+        <p:txBody>
+          <a:bodyPr wrap="square" lIns="0" tIns="0" rIns="0" bIns="0" rtlCol="0" anchor="t">
+            <a:spAutoFit/>
+          </a:bodyPr>
+          <a:lstStyle/>
           <a:p>
-            <a:pPr marL="571500" indent="-571500">
+            <a:pPr>
               <a:lnSpc>
                 <a:spcPts val="5179"/>
               </a:lnSpc>
-              <a:buFont typeface="Arial" panose="020B0604020202020204" pitchFamily="34" charset="0"/>
-              <a:buChar char="•"/>
             </a:pPr>
             <a:r>
-              <a:rPr lang="en-US" sz="3600" dirty="0">
+              <a:rPr lang="en-US" sz="3600" b="1" dirty="0">
                 <a:solidFill>
                   <a:srgbClr val="695941"/>
                 </a:solidFill>
                 <a:latin typeface="Barlow Light"/>
               </a:rPr>
-              <a:t>Analisa </a:t>
-            </a:r>
-            <a:r>
-              <a:rPr lang="en-US" sz="3600" dirty="0" err="1">
-                <a:solidFill>
-                  <a:srgbClr val="695941"/>
-                </a:solidFill>
-                <a:latin typeface="Barlow Light"/>
-              </a:rPr>
-              <a:t>sosial</a:t>
-            </a:r>
-            <a:r>
-              <a:rPr lang="en-US" sz="3600" dirty="0">
-                <a:solidFill>
-                  <a:srgbClr val="695941"/>
-                </a:solidFill>
-                <a:latin typeface="Barlow Light"/>
-              </a:rPr>
-              <a:t> media </a:t>
-            </a:r>
-            <a:r>
-              <a:rPr lang="en-US" sz="3600" dirty="0" err="1">
-                <a:solidFill>
-                  <a:srgbClr val="695941"/>
-                </a:solidFill>
-                <a:latin typeface="Barlow Light"/>
-              </a:rPr>
-              <a:t>menggunakan</a:t>
-            </a:r>
-            <a:r>
-              <a:rPr lang="en-US" sz="3600" dirty="0">
-                <a:solidFill>
-                  <a:srgbClr val="695941"/>
-                </a:solidFill>
-                <a:latin typeface="Barlow Light"/>
-              </a:rPr>
-              <a:t> Sentiment Analysis</a:t>
+              <a:t>Twitter</a:t>
             </a:r>
           </a:p>
+        </p:txBody>
+      </p:sp>
+      <p:sp>
+        <p:nvSpPr>
+          <p:cNvPr id="44" name="TextBox 30">
+            <a:extLst>
+              <a:ext uri="{FF2B5EF4-FFF2-40B4-BE49-F238E27FC236}">
+                <a16:creationId xmlns:a16="http://schemas.microsoft.com/office/drawing/2014/main" id="{7E761127-D86C-FBD2-3D0B-796BBE5195D2}"/>
+              </a:ext>
+            </a:extLst>
+          </p:cNvPr>
+          <p:cNvSpPr txBox="1"/>
+          <p:nvPr/>
+        </p:nvSpPr>
+        <p:spPr>
+          <a:xfrm>
+            <a:off x="9577906" y="6785681"/>
+            <a:ext cx="1873457" cy="1259319"/>
+          </a:xfrm>
+          <a:prstGeom prst="rect">
+            <a:avLst/>
+          </a:prstGeom>
+        </p:spPr>
+        <p:txBody>
+          <a:bodyPr wrap="square" lIns="0" tIns="0" rIns="0" bIns="0" rtlCol="0" anchor="t">
+            <a:spAutoFit/>
+          </a:bodyPr>
+          <a:lstStyle/>
           <a:p>
-            <a:pPr marL="571500" indent="-571500">
+            <a:pPr algn="ctr">
               <a:lnSpc>
                 <a:spcPts val="5179"/>
               </a:lnSpc>
-              <a:buFont typeface="Arial" panose="020B0604020202020204" pitchFamily="34" charset="0"/>
-              <a:buChar char="•"/>
             </a:pPr>
             <a:r>
-              <a:rPr lang="en-US" sz="3600" dirty="0" err="1">
+              <a:rPr lang="en-US" sz="3600" b="1" dirty="0">
                 <a:solidFill>
                   <a:srgbClr val="695941"/>
                 </a:solidFill>
                 <a:latin typeface="Barlow Light"/>
               </a:rPr>
-              <a:t>Algoritma</a:t>
-            </a:r>
-            <a:r>
-              <a:rPr lang="en-US" sz="3600" dirty="0">
-                <a:solidFill>
-                  <a:srgbClr val="695941"/>
-                </a:solidFill>
-                <a:latin typeface="Barlow Light"/>
-              </a:rPr>
-              <a:t> </a:t>
-            </a:r>
-            <a:r>
-              <a:rPr lang="en-US" sz="3600" dirty="0" err="1">
-                <a:solidFill>
-                  <a:srgbClr val="695941"/>
-                </a:solidFill>
-                <a:latin typeface="Barlow Light"/>
-              </a:rPr>
-              <a:t>menggunakan</a:t>
-            </a:r>
-            <a:r>
-              <a:rPr lang="en-US" sz="3600" dirty="0">
-                <a:solidFill>
-                  <a:srgbClr val="695941"/>
-                </a:solidFill>
-                <a:latin typeface="Barlow Light"/>
-              </a:rPr>
-              <a:t> SVM Kernel Gaussian RBF</a:t>
+              <a:t>Machine Learning</a:t>
             </a:r>
           </a:p>
+        </p:txBody>
+      </p:sp>
+      <p:sp>
+        <p:nvSpPr>
+          <p:cNvPr id="45" name="TextBox 30">
+            <a:extLst>
+              <a:ext uri="{FF2B5EF4-FFF2-40B4-BE49-F238E27FC236}">
+                <a16:creationId xmlns:a16="http://schemas.microsoft.com/office/drawing/2014/main" id="{22AAAE1B-AF66-3540-B84B-6551246C3092}"/>
+              </a:ext>
+            </a:extLst>
+          </p:cNvPr>
+          <p:cNvSpPr txBox="1"/>
+          <p:nvPr/>
+        </p:nvSpPr>
+        <p:spPr>
+          <a:xfrm>
+            <a:off x="13112206" y="6775405"/>
+            <a:ext cx="2528161" cy="1259319"/>
+          </a:xfrm>
+          <a:prstGeom prst="rect">
+            <a:avLst/>
+          </a:prstGeom>
+        </p:spPr>
+        <p:txBody>
+          <a:bodyPr wrap="square" lIns="0" tIns="0" rIns="0" bIns="0" rtlCol="0" anchor="t">
+            <a:spAutoFit/>
+          </a:bodyPr>
+          <a:lstStyle/>
           <a:p>
-            <a:pPr marL="571500" indent="-571500">
+            <a:pPr algn="ctr">
               <a:lnSpc>
                 <a:spcPts val="5179"/>
               </a:lnSpc>
-              <a:buFont typeface="Arial" panose="020B0604020202020204" pitchFamily="34" charset="0"/>
-              <a:buChar char="•"/>
             </a:pPr>
             <a:r>
-              <a:rPr lang="en-US" sz="3600" dirty="0" err="1">
+              <a:rPr lang="en-US" sz="3600" b="1" dirty="0">
                 <a:solidFill>
                   <a:srgbClr val="695941"/>
                 </a:solidFill>
                 <a:latin typeface="Barlow Light"/>
               </a:rPr>
-              <a:t>Menghitung</a:t>
-            </a:r>
-            <a:r>
-              <a:rPr lang="en-US" sz="3600" dirty="0">
+              <a:t>Survey </a:t>
+            </a:r>
+            <a:r>
+              <a:rPr lang="en-US" sz="3600" b="1" dirty="0" err="1">
                 <a:solidFill>
                   <a:srgbClr val="695941"/>
                 </a:solidFill>
                 <a:latin typeface="Barlow Light"/>
               </a:rPr>
-              <a:t> </a:t>
-            </a:r>
-            <a:r>
-              <a:rPr lang="en-US" sz="3600" dirty="0" err="1">
-                <a:solidFill>
-                  <a:srgbClr val="695941"/>
-                </a:solidFill>
-                <a:latin typeface="Barlow Light"/>
-              </a:rPr>
-              <a:t>Korelasi</a:t>
-            </a:r>
-            <a:r>
-              <a:rPr lang="en-US" sz="3600" dirty="0">
-                <a:solidFill>
-                  <a:srgbClr val="695941"/>
-                </a:solidFill>
-                <a:latin typeface="Barlow Light"/>
-              </a:rPr>
-              <a:t> </a:t>
-            </a:r>
-          </a:p>
-          <a:p>
-            <a:pPr marL="571500" indent="-571500">
-              <a:lnSpc>
-                <a:spcPts val="5179"/>
-              </a:lnSpc>
-              <a:buFont typeface="Arial" panose="020B0604020202020204" pitchFamily="34" charset="0"/>
-              <a:buChar char="•"/>
-            </a:pPr>
-            <a:endParaRPr lang="en-US" sz="3600" dirty="0">
+              <a:t>Elektabilitas</a:t>
+            </a:r>
+            <a:endParaRPr lang="en-US" sz="3600" b="1" dirty="0">
               <a:solidFill>
                 <a:srgbClr val="695941"/>
               </a:solidFill>
@@ -34166,232 +34404,6 @@
   <p:clrMapOvr>
     <a:masterClrMapping/>
   </p:clrMapOvr>
-  <p:timing>
-    <p:tnLst>
-      <p:par>
-        <p:cTn id="1" dur="indefinite" restart="never" nodeType="tmRoot">
-          <p:childTnLst>
-            <p:seq concurrent="1" nextAc="seek">
-              <p:cTn id="2" dur="indefinite" nodeType="mainSeq">
-                <p:childTnLst>
-                  <p:par>
-                    <p:cTn id="3" fill="hold">
-                      <p:stCondLst>
-                        <p:cond delay="indefinite"/>
-                      </p:stCondLst>
-                      <p:childTnLst>
-                        <p:par>
-                          <p:cTn id="4" fill="hold">
-                            <p:stCondLst>
-                              <p:cond delay="0"/>
-                            </p:stCondLst>
-                            <p:childTnLst>
-                              <p:par>
-                                <p:cTn id="5" presetID="1" presetClass="entr" presetSubtype="0" fill="hold" nodeType="clickEffect">
-                                  <p:stCondLst>
-                                    <p:cond delay="0"/>
-                                  </p:stCondLst>
-                                  <p:childTnLst>
-                                    <p:set>
-                                      <p:cBhvr>
-                                        <p:cTn id="6" dur="1" fill="hold">
-                                          <p:stCondLst>
-                                            <p:cond delay="0"/>
-                                          </p:stCondLst>
-                                        </p:cTn>
-                                        <p:tgtEl>
-                                          <p:spTgt spid="34">
-                                            <p:txEl>
-                                              <p:pRg st="0" end="0"/>
-                                            </p:txEl>
-                                          </p:spTgt>
-                                        </p:tgtEl>
-                                        <p:attrNameLst>
-                                          <p:attrName>style.visibility</p:attrName>
-                                        </p:attrNameLst>
-                                      </p:cBhvr>
-                                      <p:to>
-                                        <p:strVal val="visible"/>
-                                      </p:to>
-                                    </p:set>
-                                  </p:childTnLst>
-                                </p:cTn>
-                              </p:par>
-                            </p:childTnLst>
-                          </p:cTn>
-                        </p:par>
-                      </p:childTnLst>
-                    </p:cTn>
-                  </p:par>
-                  <p:par>
-                    <p:cTn id="7" fill="hold">
-                      <p:stCondLst>
-                        <p:cond delay="indefinite"/>
-                      </p:stCondLst>
-                      <p:childTnLst>
-                        <p:par>
-                          <p:cTn id="8" fill="hold">
-                            <p:stCondLst>
-                              <p:cond delay="0"/>
-                            </p:stCondLst>
-                            <p:childTnLst>
-                              <p:par>
-                                <p:cTn id="9" presetID="1" presetClass="entr" presetSubtype="0" fill="hold" nodeType="clickEffect">
-                                  <p:stCondLst>
-                                    <p:cond delay="0"/>
-                                  </p:stCondLst>
-                                  <p:childTnLst>
-                                    <p:set>
-                                      <p:cBhvr>
-                                        <p:cTn id="10" dur="1" fill="hold">
-                                          <p:stCondLst>
-                                            <p:cond delay="0"/>
-                                          </p:stCondLst>
-                                        </p:cTn>
-                                        <p:tgtEl>
-                                          <p:spTgt spid="34">
-                                            <p:txEl>
-                                              <p:pRg st="1" end="1"/>
-                                            </p:txEl>
-                                          </p:spTgt>
-                                        </p:tgtEl>
-                                        <p:attrNameLst>
-                                          <p:attrName>style.visibility</p:attrName>
-                                        </p:attrNameLst>
-                                      </p:cBhvr>
-                                      <p:to>
-                                        <p:strVal val="visible"/>
-                                      </p:to>
-                                    </p:set>
-                                  </p:childTnLst>
-                                </p:cTn>
-                              </p:par>
-                            </p:childTnLst>
-                          </p:cTn>
-                        </p:par>
-                      </p:childTnLst>
-                    </p:cTn>
-                  </p:par>
-                  <p:par>
-                    <p:cTn id="11" fill="hold">
-                      <p:stCondLst>
-                        <p:cond delay="indefinite"/>
-                      </p:stCondLst>
-                      <p:childTnLst>
-                        <p:par>
-                          <p:cTn id="12" fill="hold">
-                            <p:stCondLst>
-                              <p:cond delay="0"/>
-                            </p:stCondLst>
-                            <p:childTnLst>
-                              <p:par>
-                                <p:cTn id="13" presetID="1" presetClass="entr" presetSubtype="0" fill="hold" nodeType="clickEffect">
-                                  <p:stCondLst>
-                                    <p:cond delay="0"/>
-                                  </p:stCondLst>
-                                  <p:childTnLst>
-                                    <p:set>
-                                      <p:cBhvr>
-                                        <p:cTn id="14" dur="1" fill="hold">
-                                          <p:stCondLst>
-                                            <p:cond delay="0"/>
-                                          </p:stCondLst>
-                                        </p:cTn>
-                                        <p:tgtEl>
-                                          <p:spTgt spid="34">
-                                            <p:txEl>
-                                              <p:pRg st="2" end="2"/>
-                                            </p:txEl>
-                                          </p:spTgt>
-                                        </p:tgtEl>
-                                        <p:attrNameLst>
-                                          <p:attrName>style.visibility</p:attrName>
-                                        </p:attrNameLst>
-                                      </p:cBhvr>
-                                      <p:to>
-                                        <p:strVal val="visible"/>
-                                      </p:to>
-                                    </p:set>
-                                  </p:childTnLst>
-                                </p:cTn>
-                              </p:par>
-                            </p:childTnLst>
-                          </p:cTn>
-                        </p:par>
-                      </p:childTnLst>
-                    </p:cTn>
-                  </p:par>
-                  <p:par>
-                    <p:cTn id="15" fill="hold">
-                      <p:stCondLst>
-                        <p:cond delay="indefinite"/>
-                      </p:stCondLst>
-                      <p:childTnLst>
-                        <p:par>
-                          <p:cTn id="16" fill="hold">
-                            <p:stCondLst>
-                              <p:cond delay="0"/>
-                            </p:stCondLst>
-                            <p:childTnLst>
-                              <p:par>
-                                <p:cTn id="17" presetID="1" presetClass="entr" presetSubtype="0" fill="hold" nodeType="clickEffect">
-                                  <p:stCondLst>
-                                    <p:cond delay="0"/>
-                                  </p:stCondLst>
-                                  <p:childTnLst>
-                                    <p:set>
-                                      <p:cBhvr>
-                                        <p:cTn id="18" dur="1" fill="hold">
-                                          <p:stCondLst>
-                                            <p:cond delay="0"/>
-                                          </p:stCondLst>
-                                        </p:cTn>
-                                        <p:tgtEl>
-                                          <p:spTgt spid="34">
-                                            <p:txEl>
-                                              <p:pRg st="3" end="3"/>
-                                            </p:txEl>
-                                          </p:spTgt>
-                                        </p:tgtEl>
-                                        <p:attrNameLst>
-                                          <p:attrName>style.visibility</p:attrName>
-                                        </p:attrNameLst>
-                                      </p:cBhvr>
-                                      <p:to>
-                                        <p:strVal val="visible"/>
-                                      </p:to>
-                                    </p:set>
-                                  </p:childTnLst>
-                                </p:cTn>
-                              </p:par>
-                            </p:childTnLst>
-                          </p:cTn>
-                        </p:par>
-                      </p:childTnLst>
-                    </p:cTn>
-                  </p:par>
-                </p:childTnLst>
-              </p:cTn>
-              <p:prevCondLst>
-                <p:cond evt="onPrev" delay="0">
-                  <p:tgtEl>
-                    <p:sldTgt/>
-                  </p:tgtEl>
-                </p:cond>
-              </p:prevCondLst>
-              <p:nextCondLst>
-                <p:cond evt="onNext" delay="0">
-                  <p:tgtEl>
-                    <p:sldTgt/>
-                  </p:tgtEl>
-                </p:cond>
-              </p:nextCondLst>
-            </p:seq>
-          </p:childTnLst>
-        </p:cTn>
-      </p:par>
-    </p:tnLst>
-  </p:timing>
 </p:sld>
 </file>
 
